--- a/src/Qualification project/Documentation/Prezentācija_ap19122.pptx
+++ b/src/Qualification project/Documentation/Prezentācija_ap19122.pptx
@@ -4,14 +4,21 @@
   <p:sldMasterIdLst>
     <p:sldMasterId id="2147483648" r:id="rId1"/>
   </p:sldMasterIdLst>
+  <p:notesMasterIdLst>
+    <p:notesMasterId r:id="rId13"/>
+  </p:notesMasterIdLst>
   <p:sldIdLst>
     <p:sldId id="256" r:id="rId2"/>
-    <p:sldId id="257" r:id="rId3"/>
-    <p:sldId id="258" r:id="rId4"/>
-    <p:sldId id="259" r:id="rId5"/>
-    <p:sldId id="261" r:id="rId6"/>
-    <p:sldId id="260" r:id="rId7"/>
-    <p:sldId id="262" r:id="rId8"/>
+    <p:sldId id="263" r:id="rId3"/>
+    <p:sldId id="264" r:id="rId4"/>
+    <p:sldId id="258" r:id="rId5"/>
+    <p:sldId id="257" r:id="rId6"/>
+    <p:sldId id="259" r:id="rId7"/>
+    <p:sldId id="268" r:id="rId8"/>
+    <p:sldId id="261" r:id="rId9"/>
+    <p:sldId id="269" r:id="rId10"/>
+    <p:sldId id="265" r:id="rId11"/>
+    <p:sldId id="260" r:id="rId12"/>
   </p:sldIdLst>
   <p:sldSz cx="12192000" cy="6858000"/>
   <p:notesSz cx="6858000" cy="9144000"/>
@@ -110,7 +117,978 @@
       </a:defRPr>
     </a:lvl9pPr>
   </p:defaultTextStyle>
+  <p:extLst>
+    <p:ext uri="{EFAFB233-063F-42B5-8137-9DF3F51BA10A}">
+      <p15:sldGuideLst xmlns:p15="http://schemas.microsoft.com/office/powerpoint/2012/main"/>
+    </p:ext>
+  </p:extLst>
 </p:presentation>
+</file>
+
+<file path=ppt/notesMasters/notesMaster1.xml><?xml version="1.0" encoding="utf-8"?>
+<p:notesMaster xmlns:a="http://schemas.openxmlformats.org/drawingml/2006/main" xmlns:r="http://schemas.openxmlformats.org/officeDocument/2006/relationships" xmlns:p="http://schemas.openxmlformats.org/presentationml/2006/main">
+  <p:cSld>
+    <p:bg>
+      <p:bgRef idx="1001">
+        <a:schemeClr val="bg1"/>
+      </p:bgRef>
+    </p:bg>
+    <p:spTree>
+      <p:nvGrpSpPr>
+        <p:cNvPr id="1" name=""/>
+        <p:cNvGrpSpPr/>
+        <p:nvPr/>
+      </p:nvGrpSpPr>
+      <p:grpSpPr>
+        <a:xfrm>
+          <a:off x="0" y="0"/>
+          <a:ext cx="0" cy="0"/>
+          <a:chOff x="0" y="0"/>
+          <a:chExt cx="0" cy="0"/>
+        </a:xfrm>
+      </p:grpSpPr>
+      <p:sp>
+        <p:nvSpPr>
+          <p:cNvPr id="2" name="Header Placeholder 1"/>
+          <p:cNvSpPr>
+            <a:spLocks noGrp="1"/>
+          </p:cNvSpPr>
+          <p:nvPr>
+            <p:ph type="hdr" sz="quarter"/>
+          </p:nvPr>
+        </p:nvSpPr>
+        <p:spPr>
+          <a:xfrm>
+            <a:off x="0" y="0"/>
+            <a:ext cx="2971800" cy="458788"/>
+          </a:xfrm>
+          <a:prstGeom prst="rect">
+            <a:avLst/>
+          </a:prstGeom>
+        </p:spPr>
+        <p:txBody>
+          <a:bodyPr vert="horz" lIns="91440" tIns="45720" rIns="91440" bIns="45720" rtlCol="0"/>
+          <a:lstStyle>
+            <a:lvl1pPr algn="l">
+              <a:defRPr sz="1200"/>
+            </a:lvl1pPr>
+          </a:lstStyle>
+          <a:p>
+            <a:endParaRPr lang="en-US"/>
+          </a:p>
+        </p:txBody>
+      </p:sp>
+      <p:sp>
+        <p:nvSpPr>
+          <p:cNvPr id="3" name="Date Placeholder 2"/>
+          <p:cNvSpPr>
+            <a:spLocks noGrp="1"/>
+          </p:cNvSpPr>
+          <p:nvPr>
+            <p:ph type="dt" idx="1"/>
+          </p:nvPr>
+        </p:nvSpPr>
+        <p:spPr>
+          <a:xfrm>
+            <a:off x="3884613" y="0"/>
+            <a:ext cx="2971800" cy="458788"/>
+          </a:xfrm>
+          <a:prstGeom prst="rect">
+            <a:avLst/>
+          </a:prstGeom>
+        </p:spPr>
+        <p:txBody>
+          <a:bodyPr vert="horz" lIns="91440" tIns="45720" rIns="91440" bIns="45720" rtlCol="0"/>
+          <a:lstStyle>
+            <a:lvl1pPr algn="r">
+              <a:defRPr sz="1200"/>
+            </a:lvl1pPr>
+          </a:lstStyle>
+          <a:p>
+            <a:fld id="{5AC99237-AE81-4502-832C-F0EC8127E7A0}" type="datetimeFigureOut">
+              <a:rPr lang="en-US" smtClean="0"/>
+              <a:t>1/17/2022</a:t>
+            </a:fld>
+            <a:endParaRPr lang="en-US"/>
+          </a:p>
+        </p:txBody>
+      </p:sp>
+      <p:sp>
+        <p:nvSpPr>
+          <p:cNvPr id="4" name="Slide Image Placeholder 3"/>
+          <p:cNvSpPr>
+            <a:spLocks noGrp="1" noRot="1" noChangeAspect="1"/>
+          </p:cNvSpPr>
+          <p:nvPr>
+            <p:ph type="sldImg" idx="2"/>
+          </p:nvPr>
+        </p:nvSpPr>
+        <p:spPr>
+          <a:xfrm>
+            <a:off x="685800" y="1143000"/>
+            <a:ext cx="5486400" cy="3086100"/>
+          </a:xfrm>
+          <a:prstGeom prst="rect">
+            <a:avLst/>
+          </a:prstGeom>
+          <a:noFill/>
+          <a:ln w="12700">
+            <a:solidFill>
+              <a:prstClr val="black"/>
+            </a:solidFill>
+          </a:ln>
+        </p:spPr>
+        <p:txBody>
+          <a:bodyPr vert="horz" lIns="91440" tIns="45720" rIns="91440" bIns="45720" rtlCol="0" anchor="ctr"/>
+          <a:lstStyle/>
+          <a:p>
+            <a:endParaRPr lang="en-US"/>
+          </a:p>
+        </p:txBody>
+      </p:sp>
+      <p:sp>
+        <p:nvSpPr>
+          <p:cNvPr id="5" name="Notes Placeholder 4"/>
+          <p:cNvSpPr>
+            <a:spLocks noGrp="1"/>
+          </p:cNvSpPr>
+          <p:nvPr>
+            <p:ph type="body" sz="quarter" idx="3"/>
+          </p:nvPr>
+        </p:nvSpPr>
+        <p:spPr>
+          <a:xfrm>
+            <a:off x="685800" y="4400550"/>
+            <a:ext cx="5486400" cy="3600450"/>
+          </a:xfrm>
+          <a:prstGeom prst="rect">
+            <a:avLst/>
+          </a:prstGeom>
+        </p:spPr>
+        <p:txBody>
+          <a:bodyPr vert="horz" lIns="91440" tIns="45720" rIns="91440" bIns="45720" rtlCol="0"/>
+          <a:lstStyle/>
+          <a:p>
+            <a:pPr lvl="0"/>
+            <a:r>
+              <a:rPr lang="en-US"/>
+              <a:t>Click to edit Master text styles</a:t>
+            </a:r>
+          </a:p>
+          <a:p>
+            <a:pPr lvl="1"/>
+            <a:r>
+              <a:rPr lang="en-US"/>
+              <a:t>Second level</a:t>
+            </a:r>
+          </a:p>
+          <a:p>
+            <a:pPr lvl="2"/>
+            <a:r>
+              <a:rPr lang="en-US"/>
+              <a:t>Third level</a:t>
+            </a:r>
+          </a:p>
+          <a:p>
+            <a:pPr lvl="3"/>
+            <a:r>
+              <a:rPr lang="en-US"/>
+              <a:t>Fourth level</a:t>
+            </a:r>
+          </a:p>
+          <a:p>
+            <a:pPr lvl="4"/>
+            <a:r>
+              <a:rPr lang="en-US"/>
+              <a:t>Fifth level</a:t>
+            </a:r>
+          </a:p>
+        </p:txBody>
+      </p:sp>
+      <p:sp>
+        <p:nvSpPr>
+          <p:cNvPr id="6" name="Footer Placeholder 5"/>
+          <p:cNvSpPr>
+            <a:spLocks noGrp="1"/>
+          </p:cNvSpPr>
+          <p:nvPr>
+            <p:ph type="ftr" sz="quarter" idx="4"/>
+          </p:nvPr>
+        </p:nvSpPr>
+        <p:spPr>
+          <a:xfrm>
+            <a:off x="0" y="8685213"/>
+            <a:ext cx="2971800" cy="458787"/>
+          </a:xfrm>
+          <a:prstGeom prst="rect">
+            <a:avLst/>
+          </a:prstGeom>
+        </p:spPr>
+        <p:txBody>
+          <a:bodyPr vert="horz" lIns="91440" tIns="45720" rIns="91440" bIns="45720" rtlCol="0" anchor="b"/>
+          <a:lstStyle>
+            <a:lvl1pPr algn="l">
+              <a:defRPr sz="1200"/>
+            </a:lvl1pPr>
+          </a:lstStyle>
+          <a:p>
+            <a:endParaRPr lang="en-US"/>
+          </a:p>
+        </p:txBody>
+      </p:sp>
+      <p:sp>
+        <p:nvSpPr>
+          <p:cNvPr id="7" name="Slide Number Placeholder 6"/>
+          <p:cNvSpPr>
+            <a:spLocks noGrp="1"/>
+          </p:cNvSpPr>
+          <p:nvPr>
+            <p:ph type="sldNum" sz="quarter" idx="5"/>
+          </p:nvPr>
+        </p:nvSpPr>
+        <p:spPr>
+          <a:xfrm>
+            <a:off x="3884613" y="8685213"/>
+            <a:ext cx="2971800" cy="458787"/>
+          </a:xfrm>
+          <a:prstGeom prst="rect">
+            <a:avLst/>
+          </a:prstGeom>
+        </p:spPr>
+        <p:txBody>
+          <a:bodyPr vert="horz" lIns="91440" tIns="45720" rIns="91440" bIns="45720" rtlCol="0" anchor="b"/>
+          <a:lstStyle>
+            <a:lvl1pPr algn="r">
+              <a:defRPr sz="1200"/>
+            </a:lvl1pPr>
+          </a:lstStyle>
+          <a:p>
+            <a:fld id="{113867BA-F1A9-4FE3-A7CA-EDBFF3C07837}" type="slidenum">
+              <a:rPr lang="en-US" smtClean="0"/>
+              <a:t>‹#›</a:t>
+            </a:fld>
+            <a:endParaRPr lang="en-US"/>
+          </a:p>
+        </p:txBody>
+      </p:sp>
+    </p:spTree>
+    <p:extLst>
+      <p:ext uri="{BB962C8B-B14F-4D97-AF65-F5344CB8AC3E}">
+        <p14:creationId xmlns:p14="http://schemas.microsoft.com/office/powerpoint/2010/main" val="1547655798"/>
+      </p:ext>
+    </p:extLst>
+  </p:cSld>
+  <p:clrMap bg1="lt1" tx1="dk1" bg2="lt2" tx2="dk2" accent1="accent1" accent2="accent2" accent3="accent3" accent4="accent4" accent5="accent5" accent6="accent6" hlink="hlink" folHlink="folHlink"/>
+  <p:notesStyle>
+    <a:lvl1pPr marL="0" algn="l" defTabSz="914400" rtl="0" eaLnBrk="1" latinLnBrk="0" hangingPunct="1">
+      <a:defRPr sz="1200" kern="1200">
+        <a:solidFill>
+          <a:schemeClr val="tx1"/>
+        </a:solidFill>
+        <a:latin typeface="+mn-lt"/>
+        <a:ea typeface="+mn-ea"/>
+        <a:cs typeface="+mn-cs"/>
+      </a:defRPr>
+    </a:lvl1pPr>
+    <a:lvl2pPr marL="457200" algn="l" defTabSz="914400" rtl="0" eaLnBrk="1" latinLnBrk="0" hangingPunct="1">
+      <a:defRPr sz="1200" kern="1200">
+        <a:solidFill>
+          <a:schemeClr val="tx1"/>
+        </a:solidFill>
+        <a:latin typeface="+mn-lt"/>
+        <a:ea typeface="+mn-ea"/>
+        <a:cs typeface="+mn-cs"/>
+      </a:defRPr>
+    </a:lvl2pPr>
+    <a:lvl3pPr marL="914400" algn="l" defTabSz="914400" rtl="0" eaLnBrk="1" latinLnBrk="0" hangingPunct="1">
+      <a:defRPr sz="1200" kern="1200">
+        <a:solidFill>
+          <a:schemeClr val="tx1"/>
+        </a:solidFill>
+        <a:latin typeface="+mn-lt"/>
+        <a:ea typeface="+mn-ea"/>
+        <a:cs typeface="+mn-cs"/>
+      </a:defRPr>
+    </a:lvl3pPr>
+    <a:lvl4pPr marL="1371600" algn="l" defTabSz="914400" rtl="0" eaLnBrk="1" latinLnBrk="0" hangingPunct="1">
+      <a:defRPr sz="1200" kern="1200">
+        <a:solidFill>
+          <a:schemeClr val="tx1"/>
+        </a:solidFill>
+        <a:latin typeface="+mn-lt"/>
+        <a:ea typeface="+mn-ea"/>
+        <a:cs typeface="+mn-cs"/>
+      </a:defRPr>
+    </a:lvl4pPr>
+    <a:lvl5pPr marL="1828800" algn="l" defTabSz="914400" rtl="0" eaLnBrk="1" latinLnBrk="0" hangingPunct="1">
+      <a:defRPr sz="1200" kern="1200">
+        <a:solidFill>
+          <a:schemeClr val="tx1"/>
+        </a:solidFill>
+        <a:latin typeface="+mn-lt"/>
+        <a:ea typeface="+mn-ea"/>
+        <a:cs typeface="+mn-cs"/>
+      </a:defRPr>
+    </a:lvl5pPr>
+    <a:lvl6pPr marL="2286000" algn="l" defTabSz="914400" rtl="0" eaLnBrk="1" latinLnBrk="0" hangingPunct="1">
+      <a:defRPr sz="1200" kern="1200">
+        <a:solidFill>
+          <a:schemeClr val="tx1"/>
+        </a:solidFill>
+        <a:latin typeface="+mn-lt"/>
+        <a:ea typeface="+mn-ea"/>
+        <a:cs typeface="+mn-cs"/>
+      </a:defRPr>
+    </a:lvl6pPr>
+    <a:lvl7pPr marL="2743200" algn="l" defTabSz="914400" rtl="0" eaLnBrk="1" latinLnBrk="0" hangingPunct="1">
+      <a:defRPr sz="1200" kern="1200">
+        <a:solidFill>
+          <a:schemeClr val="tx1"/>
+        </a:solidFill>
+        <a:latin typeface="+mn-lt"/>
+        <a:ea typeface="+mn-ea"/>
+        <a:cs typeface="+mn-cs"/>
+      </a:defRPr>
+    </a:lvl7pPr>
+    <a:lvl8pPr marL="3200400" algn="l" defTabSz="914400" rtl="0" eaLnBrk="1" latinLnBrk="0" hangingPunct="1">
+      <a:defRPr sz="1200" kern="1200">
+        <a:solidFill>
+          <a:schemeClr val="tx1"/>
+        </a:solidFill>
+        <a:latin typeface="+mn-lt"/>
+        <a:ea typeface="+mn-ea"/>
+        <a:cs typeface="+mn-cs"/>
+      </a:defRPr>
+    </a:lvl8pPr>
+    <a:lvl9pPr marL="3657600" algn="l" defTabSz="914400" rtl="0" eaLnBrk="1" latinLnBrk="0" hangingPunct="1">
+      <a:defRPr sz="1200" kern="1200">
+        <a:solidFill>
+          <a:schemeClr val="tx1"/>
+        </a:solidFill>
+        <a:latin typeface="+mn-lt"/>
+        <a:ea typeface="+mn-ea"/>
+        <a:cs typeface="+mn-cs"/>
+      </a:defRPr>
+    </a:lvl9pPr>
+  </p:notesStyle>
+</p:notesMaster>
+</file>
+
+<file path=ppt/notesSlides/notesSlide1.xml><?xml version="1.0" encoding="utf-8"?>
+<p:notes xmlns:a="http://schemas.openxmlformats.org/drawingml/2006/main" xmlns:r="http://schemas.openxmlformats.org/officeDocument/2006/relationships" xmlns:p="http://schemas.openxmlformats.org/presentationml/2006/main">
+  <p:cSld>
+    <p:spTree>
+      <p:nvGrpSpPr>
+        <p:cNvPr id="1" name=""/>
+        <p:cNvGrpSpPr/>
+        <p:nvPr/>
+      </p:nvGrpSpPr>
+      <p:grpSpPr>
+        <a:xfrm>
+          <a:off x="0" y="0"/>
+          <a:ext cx="0" cy="0"/>
+          <a:chOff x="0" y="0"/>
+          <a:chExt cx="0" cy="0"/>
+        </a:xfrm>
+      </p:grpSpPr>
+      <p:sp>
+        <p:nvSpPr>
+          <p:cNvPr id="2" name="Slide Image Placeholder 1"/>
+          <p:cNvSpPr>
+            <a:spLocks noGrp="1" noRot="1" noChangeAspect="1"/>
+          </p:cNvSpPr>
+          <p:nvPr>
+            <p:ph type="sldImg"/>
+          </p:nvPr>
+        </p:nvSpPr>
+        <p:spPr/>
+      </p:sp>
+      <p:sp>
+        <p:nvSpPr>
+          <p:cNvPr id="3" name="Notes Placeholder 2"/>
+          <p:cNvSpPr>
+            <a:spLocks noGrp="1"/>
+          </p:cNvSpPr>
+          <p:nvPr>
+            <p:ph type="body" idx="1"/>
+          </p:nvPr>
+        </p:nvSpPr>
+        <p:spPr/>
+        <p:txBody>
+          <a:bodyPr/>
+          <a:lstStyle/>
+          <a:p>
+            <a:r>
+              <a:rPr lang="en-US" dirty="0" err="1"/>
+              <a:t>Jaunas</a:t>
+            </a:r>
+            <a:r>
+              <a:rPr lang="en-US" dirty="0"/>
+              <a:t> </a:t>
+            </a:r>
+            <a:r>
+              <a:rPr lang="en-US" dirty="0" err="1"/>
+              <a:t>valodas</a:t>
+            </a:r>
+            <a:r>
+              <a:rPr lang="en-US" dirty="0"/>
+              <a:t>, kas </a:t>
+            </a:r>
+            <a:r>
+              <a:rPr lang="en-US" dirty="0" err="1"/>
+              <a:t>apraksta</a:t>
+            </a:r>
+            <a:r>
+              <a:rPr lang="en-US" dirty="0"/>
+              <a:t> </a:t>
+            </a:r>
+            <a:r>
+              <a:rPr lang="en-US" dirty="0" err="1"/>
+              <a:t>datus</a:t>
+            </a:r>
+            <a:r>
+              <a:rPr lang="en-US" dirty="0"/>
+              <a:t> </a:t>
+            </a:r>
+            <a:r>
+              <a:rPr lang="en-US" dirty="0" err="1"/>
+              <a:t>iekš</a:t>
+            </a:r>
+            <a:r>
+              <a:rPr lang="en-US" dirty="0"/>
+              <a:t> </a:t>
+            </a:r>
+            <a:r>
+              <a:rPr lang="lv-LV" dirty="0"/>
+              <a:t>Tīmekļa atmiņas</a:t>
+            </a:r>
+            <a:r>
+              <a:rPr lang="en-US" dirty="0"/>
+              <a:t>, </a:t>
+            </a:r>
+            <a:r>
+              <a:rPr lang="en-US" dirty="0" err="1"/>
+              <a:t>gramatikas</a:t>
+            </a:r>
+            <a:r>
+              <a:rPr lang="en-US" dirty="0"/>
+              <a:t> un </a:t>
+            </a:r>
+            <a:r>
+              <a:rPr lang="en-US" dirty="0" err="1"/>
+              <a:t>kompilatora</a:t>
+            </a:r>
+            <a:r>
+              <a:rPr lang="en-US" dirty="0"/>
+              <a:t> </a:t>
+            </a:r>
+            <a:r>
+              <a:rPr lang="en-US" dirty="0" err="1"/>
+              <a:t>izstrāde</a:t>
+            </a:r>
+            <a:r>
+              <a:rPr lang="en-US" dirty="0"/>
+              <a:t>.</a:t>
+            </a:r>
+          </a:p>
+          <a:p>
+            <a:endParaRPr lang="en-US" dirty="0"/>
+          </a:p>
+          <a:p>
+            <a:r>
+              <a:rPr lang="en-US" dirty="0" err="1"/>
+              <a:t>WebMemory</a:t>
+            </a:r>
+            <a:r>
+              <a:rPr lang="en-US" dirty="0"/>
+              <a:t> </a:t>
+            </a:r>
+            <a:r>
+              <a:rPr lang="en-US" dirty="0" err="1"/>
+              <a:t>strukturu</a:t>
+            </a:r>
+            <a:r>
+              <a:rPr lang="en-US" dirty="0"/>
+              <a:t> </a:t>
+            </a:r>
+            <a:r>
+              <a:rPr lang="en-US" dirty="0" err="1"/>
+              <a:t>vajag</a:t>
+            </a:r>
+            <a:r>
+              <a:rPr lang="en-US" dirty="0"/>
+              <a:t> </a:t>
+            </a:r>
+            <a:r>
+              <a:rPr lang="en-US" dirty="0" err="1"/>
+              <a:t>aprakstīt</a:t>
+            </a:r>
+            <a:r>
+              <a:rPr lang="en-US" dirty="0"/>
+              <a:t>, </a:t>
+            </a:r>
+            <a:r>
+              <a:rPr lang="en-US" dirty="0" err="1"/>
+              <a:t>tāpēc</a:t>
+            </a:r>
+            <a:r>
+              <a:rPr lang="en-US" dirty="0"/>
+              <a:t> </a:t>
+            </a:r>
+            <a:r>
+              <a:rPr lang="en-US" dirty="0" err="1"/>
+              <a:t>veidojam</a:t>
+            </a:r>
+            <a:r>
+              <a:rPr lang="en-US" dirty="0"/>
+              <a:t> </a:t>
+            </a:r>
+            <a:r>
+              <a:rPr lang="en-US" dirty="0" err="1"/>
+              <a:t>jaunu</a:t>
+            </a:r>
+            <a:r>
+              <a:rPr lang="en-US" dirty="0"/>
+              <a:t> </a:t>
+            </a:r>
+            <a:r>
+              <a:rPr lang="en-US" dirty="0" err="1"/>
+              <a:t>valodu</a:t>
+            </a:r>
+            <a:r>
+              <a:rPr lang="en-US" dirty="0"/>
+              <a:t> WAOS C#.</a:t>
+            </a:r>
+          </a:p>
+        </p:txBody>
+      </p:sp>
+      <p:sp>
+        <p:nvSpPr>
+          <p:cNvPr id="4" name="Slide Number Placeholder 3"/>
+          <p:cNvSpPr>
+            <a:spLocks noGrp="1"/>
+          </p:cNvSpPr>
+          <p:nvPr>
+            <p:ph type="sldNum" sz="quarter" idx="5"/>
+          </p:nvPr>
+        </p:nvSpPr>
+        <p:spPr/>
+        <p:txBody>
+          <a:bodyPr/>
+          <a:lstStyle/>
+          <a:p>
+            <a:fld id="{113867BA-F1A9-4FE3-A7CA-EDBFF3C07837}" type="slidenum">
+              <a:rPr lang="en-US" smtClean="0"/>
+              <a:t>5</a:t>
+            </a:fld>
+            <a:endParaRPr lang="en-US"/>
+          </a:p>
+        </p:txBody>
+      </p:sp>
+    </p:spTree>
+    <p:extLst>
+      <p:ext uri="{BB962C8B-B14F-4D97-AF65-F5344CB8AC3E}">
+        <p14:creationId xmlns:p14="http://schemas.microsoft.com/office/powerpoint/2010/main" val="1068851702"/>
+      </p:ext>
+    </p:extLst>
+  </p:cSld>
+  <p:clrMapOvr>
+    <a:masterClrMapping/>
+  </p:clrMapOvr>
+</p:notes>
+</file>
+
+<file path=ppt/notesSlides/notesSlide2.xml><?xml version="1.0" encoding="utf-8"?>
+<p:notes xmlns:a="http://schemas.openxmlformats.org/drawingml/2006/main" xmlns:r="http://schemas.openxmlformats.org/officeDocument/2006/relationships" xmlns:p="http://schemas.openxmlformats.org/presentationml/2006/main">
+  <p:cSld>
+    <p:spTree>
+      <p:nvGrpSpPr>
+        <p:cNvPr id="1" name=""/>
+        <p:cNvGrpSpPr/>
+        <p:nvPr/>
+      </p:nvGrpSpPr>
+      <p:grpSpPr>
+        <a:xfrm>
+          <a:off x="0" y="0"/>
+          <a:ext cx="0" cy="0"/>
+          <a:chOff x="0" y="0"/>
+          <a:chExt cx="0" cy="0"/>
+        </a:xfrm>
+      </p:grpSpPr>
+      <p:sp>
+        <p:nvSpPr>
+          <p:cNvPr id="2" name="Slide Image Placeholder 1"/>
+          <p:cNvSpPr>
+            <a:spLocks noGrp="1" noRot="1" noChangeAspect="1"/>
+          </p:cNvSpPr>
+          <p:nvPr>
+            <p:ph type="sldImg"/>
+          </p:nvPr>
+        </p:nvSpPr>
+        <p:spPr/>
+      </p:sp>
+      <p:sp>
+        <p:nvSpPr>
+          <p:cNvPr id="3" name="Notes Placeholder 2"/>
+          <p:cNvSpPr>
+            <a:spLocks noGrp="1"/>
+          </p:cNvSpPr>
+          <p:nvPr>
+            <p:ph type="body" idx="1"/>
+          </p:nvPr>
+        </p:nvSpPr>
+        <p:spPr/>
+        <p:txBody>
+          <a:bodyPr/>
+          <a:lstStyle/>
+          <a:p>
+            <a:pPr marL="0" marR="0" lvl="0" indent="0" algn="l" defTabSz="914400" rtl="0" eaLnBrk="1" fontAlgn="auto" latinLnBrk="0" hangingPunct="1">
+              <a:lnSpc>
+                <a:spcPct val="100000"/>
+              </a:lnSpc>
+              <a:spcBef>
+                <a:spcPts val="0"/>
+              </a:spcBef>
+              <a:spcAft>
+                <a:spcPts val="0"/>
+              </a:spcAft>
+              <a:buClrTx/>
+              <a:buSzTx/>
+              <a:buFontTx/>
+              <a:buNone/>
+              <a:tabLst/>
+              <a:defRPr/>
+            </a:pPr>
+            <a:r>
+              <a:rPr lang="en-US" dirty="0" err="1"/>
+              <a:t>Pirmā</a:t>
+            </a:r>
+            <a:r>
+              <a:rPr lang="en-US" dirty="0"/>
+              <a:t> .NET </a:t>
+            </a:r>
+            <a:r>
+              <a:rPr lang="en-US" dirty="0" err="1"/>
+              <a:t>versija</a:t>
+            </a:r>
+            <a:r>
+              <a:rPr lang="en-US" dirty="0"/>
+              <a:t>, kas </a:t>
+            </a:r>
+            <a:r>
+              <a:rPr lang="en-US" dirty="0" err="1"/>
+              <a:t>atbalsta</a:t>
+            </a:r>
+            <a:r>
+              <a:rPr lang="en-US" dirty="0"/>
+              <a:t> </a:t>
+            </a:r>
+            <a:r>
+              <a:rPr lang="en-US" dirty="0" err="1"/>
+              <a:t>vairākas</a:t>
+            </a:r>
+            <a:r>
+              <a:rPr lang="en-US" dirty="0"/>
+              <a:t> </a:t>
+            </a:r>
+            <a:r>
+              <a:rPr lang="en-US" dirty="0" err="1"/>
+              <a:t>platformas</a:t>
+            </a:r>
+            <a:r>
+              <a:rPr lang="en-US" dirty="0"/>
+              <a:t> (</a:t>
+            </a:r>
+            <a:r>
+              <a:rPr lang="en-US" dirty="0" err="1"/>
+              <a:t>Platformas</a:t>
+            </a:r>
+            <a:r>
+              <a:rPr lang="en-US" dirty="0"/>
+              <a:t> = OS + </a:t>
+            </a:r>
+            <a:r>
+              <a:rPr lang="en-US" dirty="0" err="1"/>
+              <a:t>Procesora</a:t>
+            </a:r>
+            <a:r>
+              <a:rPr lang="en-US" dirty="0"/>
+              <a:t> tips)</a:t>
+            </a:r>
+            <a:endParaRPr lang="lv-LV" dirty="0"/>
+          </a:p>
+          <a:p>
+            <a:endParaRPr lang="en-US" dirty="0"/>
+          </a:p>
+          <a:p>
+            <a:pPr marL="0" marR="0" lvl="0" indent="0" algn="l" defTabSz="914400" rtl="0" eaLnBrk="1" fontAlgn="auto" latinLnBrk="0" hangingPunct="1">
+              <a:lnSpc>
+                <a:spcPct val="100000"/>
+              </a:lnSpc>
+              <a:spcBef>
+                <a:spcPts val="0"/>
+              </a:spcBef>
+              <a:spcAft>
+                <a:spcPts val="0"/>
+              </a:spcAft>
+              <a:buClrTx/>
+              <a:buSzTx/>
+              <a:buFontTx/>
+              <a:buNone/>
+              <a:tabLst/>
+              <a:defRPr/>
+            </a:pPr>
+            <a:r>
+              <a:rPr lang="lv-LV" dirty="0"/>
+              <a:t>Atbalsts vairākās populāras programmēšanas valodās (C#, PHP, </a:t>
+            </a:r>
+            <a:r>
+              <a:rPr lang="lv-LV" dirty="0" err="1"/>
+              <a:t>JavaScript</a:t>
+            </a:r>
+            <a:r>
+              <a:rPr lang="lv-LV" dirty="0"/>
+              <a:t>, </a:t>
+            </a:r>
+            <a:r>
+              <a:rPr lang="lv-LV" dirty="0" err="1"/>
+              <a:t>Python</a:t>
+            </a:r>
+            <a:r>
+              <a:rPr lang="lv-LV" dirty="0"/>
+              <a:t>, Java, C++, </a:t>
+            </a:r>
+            <a:r>
+              <a:rPr lang="lv-LV" dirty="0" err="1"/>
+              <a:t>Swift</a:t>
+            </a:r>
+            <a:r>
+              <a:rPr lang="lv-LV" dirty="0"/>
+              <a:t>, </a:t>
+            </a:r>
+            <a:r>
+              <a:rPr lang="lv-LV" dirty="0" err="1"/>
+              <a:t>Go</a:t>
+            </a:r>
+            <a:r>
+              <a:rPr lang="lv-LV" dirty="0"/>
+              <a:t>)</a:t>
+            </a:r>
+          </a:p>
+          <a:p>
+            <a:endParaRPr lang="en-US" dirty="0"/>
+          </a:p>
+          <a:p>
+            <a:pPr marL="0" marR="0" lvl="0" indent="0" algn="l" defTabSz="914400" rtl="0" eaLnBrk="1" fontAlgn="auto" latinLnBrk="0" hangingPunct="1">
+              <a:lnSpc>
+                <a:spcPct val="100000"/>
+              </a:lnSpc>
+              <a:spcBef>
+                <a:spcPts val="0"/>
+              </a:spcBef>
+              <a:spcAft>
+                <a:spcPts val="0"/>
+              </a:spcAft>
+              <a:buClrTx/>
+              <a:buSzTx/>
+              <a:buFontTx/>
+              <a:buNone/>
+              <a:tabLst/>
+              <a:defRPr/>
+            </a:pPr>
+            <a:r>
+              <a:rPr lang="lv-LV" dirty="0"/>
+              <a:t>Iegūtie dati no jaunkoda tiks izmantoti, lai ģenerētu </a:t>
+            </a:r>
+            <a:r>
+              <a:rPr lang="lv-LV" dirty="0" err="1"/>
+              <a:t>starpkodu</a:t>
+            </a:r>
+            <a:r>
+              <a:rPr lang="lv-LV" dirty="0"/>
+              <a:t>.</a:t>
+            </a:r>
+            <a:endParaRPr lang="en-US" dirty="0"/>
+          </a:p>
+          <a:p>
+            <a:pPr marL="0" marR="0" lvl="0" indent="0" algn="l" defTabSz="914400" rtl="0" eaLnBrk="1" fontAlgn="auto" latinLnBrk="0" hangingPunct="1">
+              <a:lnSpc>
+                <a:spcPct val="100000"/>
+              </a:lnSpc>
+              <a:spcBef>
+                <a:spcPts val="0"/>
+              </a:spcBef>
+              <a:spcAft>
+                <a:spcPts val="0"/>
+              </a:spcAft>
+              <a:buClrTx/>
+              <a:buSzTx/>
+              <a:buFontTx/>
+              <a:buNone/>
+              <a:tabLst/>
+              <a:defRPr/>
+            </a:pPr>
+            <a:endParaRPr lang="en-US" dirty="0"/>
+          </a:p>
+          <a:p>
+            <a:pPr marL="0" marR="0" lvl="0" indent="0" algn="l" defTabSz="914400" rtl="0" eaLnBrk="1" fontAlgn="auto" latinLnBrk="0" hangingPunct="1">
+              <a:lnSpc>
+                <a:spcPct val="100000"/>
+              </a:lnSpc>
+              <a:spcBef>
+                <a:spcPts val="0"/>
+              </a:spcBef>
+              <a:spcAft>
+                <a:spcPts val="0"/>
+              </a:spcAft>
+              <a:buClrTx/>
+              <a:buSzTx/>
+              <a:buFontTx/>
+              <a:buNone/>
+              <a:tabLst/>
+              <a:defRPr/>
+            </a:pPr>
+            <a:r>
+              <a:rPr lang="lv-LV" dirty="0"/>
+              <a:t>Var gadīties, ka būs vairākas klases ar vairākiem atribūtiem un metodēm, un, rakstot visu vienā failā, </a:t>
+            </a:r>
+            <a:r>
+              <a:rPr lang="lv-LV" dirty="0" err="1"/>
+              <a:t>starpkods</a:t>
+            </a:r>
+            <a:r>
+              <a:rPr lang="lv-LV" dirty="0"/>
+              <a:t> nav lasāms. </a:t>
+            </a:r>
+            <a:r>
+              <a:rPr lang="en-US" dirty="0"/>
+              <a:t>OOP</a:t>
+            </a:r>
+            <a:r>
+              <a:rPr lang="lv-LV" dirty="0"/>
+              <a:t> principi.</a:t>
+            </a:r>
+          </a:p>
+        </p:txBody>
+      </p:sp>
+      <p:sp>
+        <p:nvSpPr>
+          <p:cNvPr id="4" name="Slide Number Placeholder 3"/>
+          <p:cNvSpPr>
+            <a:spLocks noGrp="1"/>
+          </p:cNvSpPr>
+          <p:nvPr>
+            <p:ph type="sldNum" sz="quarter" idx="5"/>
+          </p:nvPr>
+        </p:nvSpPr>
+        <p:spPr/>
+        <p:txBody>
+          <a:bodyPr/>
+          <a:lstStyle/>
+          <a:p>
+            <a:fld id="{113867BA-F1A9-4FE3-A7CA-EDBFF3C07837}" type="slidenum">
+              <a:rPr lang="en-US" smtClean="0"/>
+              <a:t>6</a:t>
+            </a:fld>
+            <a:endParaRPr lang="en-US"/>
+          </a:p>
+        </p:txBody>
+      </p:sp>
+    </p:spTree>
+    <p:extLst>
+      <p:ext uri="{BB962C8B-B14F-4D97-AF65-F5344CB8AC3E}">
+        <p14:creationId xmlns:p14="http://schemas.microsoft.com/office/powerpoint/2010/main" val="2827784338"/>
+      </p:ext>
+    </p:extLst>
+  </p:cSld>
+  <p:clrMapOvr>
+    <a:masterClrMapping/>
+  </p:clrMapOvr>
+</p:notes>
+</file>
+
+<file path=ppt/notesSlides/notesSlide3.xml><?xml version="1.0" encoding="utf-8"?>
+<p:notes xmlns:a="http://schemas.openxmlformats.org/drawingml/2006/main" xmlns:r="http://schemas.openxmlformats.org/officeDocument/2006/relationships" xmlns:p="http://schemas.openxmlformats.org/presentationml/2006/main">
+  <p:cSld>
+    <p:spTree>
+      <p:nvGrpSpPr>
+        <p:cNvPr id="1" name=""/>
+        <p:cNvGrpSpPr/>
+        <p:nvPr/>
+      </p:nvGrpSpPr>
+      <p:grpSpPr>
+        <a:xfrm>
+          <a:off x="0" y="0"/>
+          <a:ext cx="0" cy="0"/>
+          <a:chOff x="0" y="0"/>
+          <a:chExt cx="0" cy="0"/>
+        </a:xfrm>
+      </p:grpSpPr>
+      <p:sp>
+        <p:nvSpPr>
+          <p:cNvPr id="2" name="Slide Image Placeholder 1"/>
+          <p:cNvSpPr>
+            <a:spLocks noGrp="1" noRot="1" noChangeAspect="1"/>
+          </p:cNvSpPr>
+          <p:nvPr>
+            <p:ph type="sldImg"/>
+          </p:nvPr>
+        </p:nvSpPr>
+        <p:spPr/>
+      </p:sp>
+      <p:sp>
+        <p:nvSpPr>
+          <p:cNvPr id="3" name="Notes Placeholder 2"/>
+          <p:cNvSpPr>
+            <a:spLocks noGrp="1"/>
+          </p:cNvSpPr>
+          <p:nvPr>
+            <p:ph type="body" idx="1"/>
+          </p:nvPr>
+        </p:nvSpPr>
+        <p:spPr/>
+        <p:txBody>
+          <a:bodyPr/>
+          <a:lstStyle/>
+          <a:p>
+            <a:endParaRPr lang="en-US" dirty="0"/>
+          </a:p>
+        </p:txBody>
+      </p:sp>
+      <p:sp>
+        <p:nvSpPr>
+          <p:cNvPr id="4" name="Slide Number Placeholder 3"/>
+          <p:cNvSpPr>
+            <a:spLocks noGrp="1"/>
+          </p:cNvSpPr>
+          <p:nvPr>
+            <p:ph type="sldNum" sz="quarter" idx="5"/>
+          </p:nvPr>
+        </p:nvSpPr>
+        <p:spPr/>
+        <p:txBody>
+          <a:bodyPr/>
+          <a:lstStyle/>
+          <a:p>
+            <a:fld id="{113867BA-F1A9-4FE3-A7CA-EDBFF3C07837}" type="slidenum">
+              <a:rPr lang="en-US" smtClean="0"/>
+              <a:t>10</a:t>
+            </a:fld>
+            <a:endParaRPr lang="en-US"/>
+          </a:p>
+        </p:txBody>
+      </p:sp>
+    </p:spTree>
+    <p:extLst>
+      <p:ext uri="{BB962C8B-B14F-4D97-AF65-F5344CB8AC3E}">
+        <p14:creationId xmlns:p14="http://schemas.microsoft.com/office/powerpoint/2010/main" val="1330314640"/>
+      </p:ext>
+    </p:extLst>
+  </p:cSld>
+  <p:clrMapOvr>
+    <a:masterClrMapping/>
+  </p:clrMapOvr>
+</p:notes>
 </file>
 
 <file path=ppt/slideLayouts/slideLayout1.xml><?xml version="1.0" encoding="utf-8"?>
@@ -3388,6 +4366,12 @@
           <a:bodyPr/>
           <a:lstStyle/>
           <a:p>
+            <a:endParaRPr lang="en-US" dirty="0">
+              <a:latin typeface="Times New Roman" panose="02020603050405020304" pitchFamily="18" charset="0"/>
+              <a:cs typeface="Times New Roman" panose="02020603050405020304" pitchFamily="18" charset="0"/>
+            </a:endParaRPr>
+          </a:p>
+          <a:p>
             <a:r>
               <a:rPr lang="lv-LV" dirty="0">
                 <a:latin typeface="Times New Roman" panose="02020603050405020304" pitchFamily="18" charset="0"/>
@@ -3411,6 +4395,392 @@
     <p:extLst>
       <p:ext uri="{BB962C8B-B14F-4D97-AF65-F5344CB8AC3E}">
         <p14:creationId xmlns:p14="http://schemas.microsoft.com/office/powerpoint/2010/main" val="1607558204"/>
+      </p:ext>
+    </p:extLst>
+  </p:cSld>
+  <p:clrMapOvr>
+    <a:masterClrMapping/>
+  </p:clrMapOvr>
+</p:sld>
+</file>
+
+<file path=ppt/slides/slide10.xml><?xml version="1.0" encoding="utf-8"?>
+<p:sld xmlns:a="http://schemas.openxmlformats.org/drawingml/2006/main" xmlns:r="http://schemas.openxmlformats.org/officeDocument/2006/relationships" xmlns:p="http://schemas.openxmlformats.org/presentationml/2006/main">
+  <p:cSld>
+    <p:spTree>
+      <p:nvGrpSpPr>
+        <p:cNvPr id="1" name=""/>
+        <p:cNvGrpSpPr/>
+        <p:nvPr/>
+      </p:nvGrpSpPr>
+      <p:grpSpPr>
+        <a:xfrm>
+          <a:off x="0" y="0"/>
+          <a:ext cx="0" cy="0"/>
+          <a:chOff x="0" y="0"/>
+          <a:chExt cx="0" cy="0"/>
+        </a:xfrm>
+      </p:grpSpPr>
+      <p:sp>
+        <p:nvSpPr>
+          <p:cNvPr id="2" name="Title 1">
+            <a:extLst>
+              <a:ext uri="{FF2B5EF4-FFF2-40B4-BE49-F238E27FC236}">
+                <a16:creationId xmlns:a16="http://schemas.microsoft.com/office/drawing/2014/main" id="{A3A6433B-7537-4B0F-91DC-161B20E4658E}"/>
+              </a:ext>
+            </a:extLst>
+          </p:cNvPr>
+          <p:cNvSpPr>
+            <a:spLocks noGrp="1"/>
+          </p:cNvSpPr>
+          <p:nvPr>
+            <p:ph type="title"/>
+          </p:nvPr>
+        </p:nvSpPr>
+        <p:spPr/>
+        <p:txBody>
+          <a:bodyPr/>
+          <a:lstStyle/>
+          <a:p>
+            <a:r>
+              <a:rPr lang="lv-LV">
+                <a:latin typeface="Times New Roman" panose="02020603050405020304" pitchFamily="18" charset="0"/>
+                <a:cs typeface="Times New Roman" panose="02020603050405020304" pitchFamily="18" charset="0"/>
+              </a:rPr>
+              <a:t>Risinājums adapterim</a:t>
+            </a:r>
+          </a:p>
+        </p:txBody>
+      </p:sp>
+      <p:sp>
+        <p:nvSpPr>
+          <p:cNvPr id="3" name="Content Placeholder 2">
+            <a:extLst>
+              <a:ext uri="{FF2B5EF4-FFF2-40B4-BE49-F238E27FC236}">
+                <a16:creationId xmlns:a16="http://schemas.microsoft.com/office/drawing/2014/main" id="{924AFE6F-30C4-455B-96C5-DEFF6BB62D9F}"/>
+              </a:ext>
+            </a:extLst>
+          </p:cNvPr>
+          <p:cNvSpPr>
+            <a:spLocks noGrp="1"/>
+          </p:cNvSpPr>
+          <p:nvPr>
+            <p:ph idx="1"/>
+          </p:nvPr>
+        </p:nvSpPr>
+        <p:spPr/>
+        <p:txBody>
+          <a:bodyPr/>
+          <a:lstStyle/>
+          <a:p>
+            <a:r>
+              <a:rPr lang="lv-LV" dirty="0">
+                <a:latin typeface="Times New Roman" panose="02020603050405020304" pitchFamily="18" charset="0"/>
+                <a:cs typeface="Times New Roman" panose="02020603050405020304" pitchFamily="18" charset="0"/>
+              </a:rPr>
+              <a:t>Refleksija – veids, kā dinamiski piekļūt .NET klasēm, atribūtiem un metodēm. Izmantojam funkciju izsaukšanai.</a:t>
+            </a:r>
+          </a:p>
+          <a:p>
+            <a:pPr lvl="1"/>
+            <a:r>
+              <a:rPr lang="lv-LV" dirty="0">
+                <a:latin typeface="Times New Roman" panose="02020603050405020304" pitchFamily="18" charset="0"/>
+                <a:cs typeface="Times New Roman" panose="02020603050405020304" pitchFamily="18" charset="0"/>
+              </a:rPr>
+              <a:t>Katrai funkcijai ir URL</a:t>
+            </a:r>
+          </a:p>
+          <a:p>
+            <a:pPr lvl="2"/>
+            <a:r>
+              <a:rPr lang="lv-LV" dirty="0">
+                <a:latin typeface="Times New Roman" panose="02020603050405020304" pitchFamily="18" charset="0"/>
+                <a:cs typeface="Times New Roman" panose="02020603050405020304" pitchFamily="18" charset="0"/>
+              </a:rPr>
+              <a:t>Formāts: </a:t>
+            </a:r>
+            <a:r>
+              <a:rPr lang="lv-LV" i="1" dirty="0" err="1">
+                <a:latin typeface="Times New Roman" panose="02020603050405020304" pitchFamily="18" charset="0"/>
+                <a:cs typeface="Times New Roman" panose="02020603050405020304" pitchFamily="18" charset="0"/>
+              </a:rPr>
+              <a:t>protokols:lokācija:ceļš</a:t>
+            </a:r>
+            <a:r>
+              <a:rPr lang="lv-LV" i="1" dirty="0">
+                <a:latin typeface="Times New Roman" panose="02020603050405020304" pitchFamily="18" charset="0"/>
+                <a:cs typeface="Times New Roman" panose="02020603050405020304" pitchFamily="18" charset="0"/>
+              </a:rPr>
+              <a:t> </a:t>
+            </a:r>
+            <a:r>
+              <a:rPr lang="lv-LV" dirty="0">
+                <a:latin typeface="Times New Roman" panose="02020603050405020304" pitchFamily="18" charset="0"/>
+                <a:cs typeface="Times New Roman" panose="02020603050405020304" pitchFamily="18" charset="0"/>
+              </a:rPr>
+              <a:t>(šobrīd protokols – </a:t>
+            </a:r>
+            <a:r>
+              <a:rPr lang="lv-LV" i="1" dirty="0" err="1">
+                <a:latin typeface="Times New Roman" panose="02020603050405020304" pitchFamily="18" charset="0"/>
+                <a:cs typeface="Times New Roman" panose="02020603050405020304" pitchFamily="18" charset="0"/>
+              </a:rPr>
+              <a:t>dotnet</a:t>
+            </a:r>
+            <a:r>
+              <a:rPr lang="lv-LV" dirty="0">
+                <a:latin typeface="Times New Roman" panose="02020603050405020304" pitchFamily="18" charset="0"/>
+                <a:cs typeface="Times New Roman" panose="02020603050405020304" pitchFamily="18" charset="0"/>
+              </a:rPr>
+              <a:t>, lokācija - </a:t>
+            </a:r>
+            <a:r>
+              <a:rPr lang="lv-LV" i="1" dirty="0" err="1">
+                <a:latin typeface="Times New Roman" panose="02020603050405020304" pitchFamily="18" charset="0"/>
+                <a:cs typeface="Times New Roman" panose="02020603050405020304" pitchFamily="18" charset="0"/>
+              </a:rPr>
+              <a:t>local</a:t>
+            </a:r>
+            <a:r>
+              <a:rPr lang="lv-LV" dirty="0">
+                <a:latin typeface="Times New Roman" panose="02020603050405020304" pitchFamily="18" charset="0"/>
+                <a:cs typeface="Times New Roman" panose="02020603050405020304" pitchFamily="18" charset="0"/>
+              </a:rPr>
+              <a:t>)</a:t>
+            </a:r>
+            <a:endParaRPr lang="lv-LV" i="1" dirty="0">
+              <a:latin typeface="Times New Roman" panose="02020603050405020304" pitchFamily="18" charset="0"/>
+              <a:cs typeface="Times New Roman" panose="02020603050405020304" pitchFamily="18" charset="0"/>
+            </a:endParaRPr>
+          </a:p>
+          <a:p>
+            <a:endParaRPr lang="lv-LV" i="1" dirty="0">
+              <a:latin typeface="Times New Roman" panose="02020603050405020304" pitchFamily="18" charset="0"/>
+              <a:cs typeface="Times New Roman" panose="02020603050405020304" pitchFamily="18" charset="0"/>
+            </a:endParaRPr>
+          </a:p>
+          <a:p>
+            <a:endParaRPr lang="lv-LV" dirty="0">
+              <a:latin typeface="Times New Roman" panose="02020603050405020304" pitchFamily="18" charset="0"/>
+              <a:cs typeface="Times New Roman" panose="02020603050405020304" pitchFamily="18" charset="0"/>
+            </a:endParaRPr>
+          </a:p>
+          <a:p>
+            <a:pPr marL="0" indent="0">
+              <a:buNone/>
+            </a:pPr>
+            <a:endParaRPr lang="lv-LV" dirty="0">
+              <a:latin typeface="Times New Roman" panose="02020603050405020304" pitchFamily="18" charset="0"/>
+              <a:cs typeface="Times New Roman" panose="02020603050405020304" pitchFamily="18" charset="0"/>
+            </a:endParaRPr>
+          </a:p>
+        </p:txBody>
+      </p:sp>
+    </p:spTree>
+    <p:extLst>
+      <p:ext uri="{BB962C8B-B14F-4D97-AF65-F5344CB8AC3E}">
+        <p14:creationId xmlns:p14="http://schemas.microsoft.com/office/powerpoint/2010/main" val="259631641"/>
+      </p:ext>
+    </p:extLst>
+  </p:cSld>
+  <p:clrMapOvr>
+    <a:masterClrMapping/>
+  </p:clrMapOvr>
+</p:sld>
+</file>
+
+<file path=ppt/slides/slide11.xml><?xml version="1.0" encoding="utf-8"?>
+<p:sld xmlns:a="http://schemas.openxmlformats.org/drawingml/2006/main" xmlns:r="http://schemas.openxmlformats.org/officeDocument/2006/relationships" xmlns:p="http://schemas.openxmlformats.org/presentationml/2006/main">
+  <p:cSld>
+    <p:spTree>
+      <p:nvGrpSpPr>
+        <p:cNvPr id="1" name=""/>
+        <p:cNvGrpSpPr/>
+        <p:nvPr/>
+      </p:nvGrpSpPr>
+      <p:grpSpPr>
+        <a:xfrm>
+          <a:off x="0" y="0"/>
+          <a:ext cx="0" cy="0"/>
+          <a:chOff x="0" y="0"/>
+          <a:chExt cx="0" cy="0"/>
+        </a:xfrm>
+      </p:grpSpPr>
+      <p:sp>
+        <p:nvSpPr>
+          <p:cNvPr id="2" name="Virsraksts 1">
+            <a:extLst>
+              <a:ext uri="{FF2B5EF4-FFF2-40B4-BE49-F238E27FC236}">
+                <a16:creationId xmlns:a16="http://schemas.microsoft.com/office/drawing/2014/main" id="{C8E1B13B-4241-48C0-90AA-54188E1CD19A}"/>
+              </a:ext>
+            </a:extLst>
+          </p:cNvPr>
+          <p:cNvSpPr>
+            <a:spLocks noGrp="1"/>
+          </p:cNvSpPr>
+          <p:nvPr>
+            <p:ph type="title"/>
+          </p:nvPr>
+        </p:nvSpPr>
+        <p:spPr/>
+        <p:txBody>
+          <a:bodyPr/>
+          <a:lstStyle/>
+          <a:p>
+            <a:r>
+              <a:rPr lang="lv-LV" dirty="0">
+                <a:latin typeface="Times New Roman" panose="02020603050405020304" pitchFamily="18" charset="0"/>
+                <a:cs typeface="Times New Roman" panose="02020603050405020304" pitchFamily="18" charset="0"/>
+              </a:rPr>
+              <a:t>Rezultāti</a:t>
+            </a:r>
+          </a:p>
+        </p:txBody>
+      </p:sp>
+      <p:sp>
+        <p:nvSpPr>
+          <p:cNvPr id="3" name="Satura vietturis 2">
+            <a:extLst>
+              <a:ext uri="{FF2B5EF4-FFF2-40B4-BE49-F238E27FC236}">
+                <a16:creationId xmlns:a16="http://schemas.microsoft.com/office/drawing/2014/main" id="{30B3118C-7BF8-4771-BEB0-7E50150E8C42}"/>
+              </a:ext>
+            </a:extLst>
+          </p:cNvPr>
+          <p:cNvSpPr>
+            <a:spLocks noGrp="1"/>
+          </p:cNvSpPr>
+          <p:nvPr>
+            <p:ph idx="1"/>
+          </p:nvPr>
+        </p:nvSpPr>
+        <p:spPr/>
+        <p:txBody>
+          <a:bodyPr/>
+          <a:lstStyle/>
+          <a:p>
+            <a:endParaRPr lang="lv-LV" dirty="0">
+              <a:latin typeface="Times New Roman" panose="02020603050405020304" pitchFamily="18" charset="0"/>
+              <a:cs typeface="Times New Roman" panose="02020603050405020304" pitchFamily="18" charset="0"/>
+            </a:endParaRPr>
+          </a:p>
+          <a:p>
+            <a:endParaRPr lang="lv-LV" dirty="0">
+              <a:latin typeface="Times New Roman" panose="02020603050405020304" pitchFamily="18" charset="0"/>
+              <a:cs typeface="Times New Roman" panose="02020603050405020304" pitchFamily="18" charset="0"/>
+            </a:endParaRPr>
+          </a:p>
+          <a:p>
+            <a:r>
+              <a:rPr lang="lv-LV" dirty="0">
+                <a:latin typeface="Times New Roman" panose="02020603050405020304" pitchFamily="18" charset="0"/>
+                <a:cs typeface="Times New Roman" panose="02020603050405020304" pitchFamily="18" charset="0"/>
+              </a:rPr>
+              <a:t>Projekts iekļāvās 3 </a:t>
+            </a:r>
+            <a:r>
+              <a:rPr lang="lv-LV" dirty="0" err="1">
+                <a:latin typeface="Times New Roman" panose="02020603050405020304" pitchFamily="18" charset="0"/>
+                <a:cs typeface="Times New Roman" panose="02020603050405020304" pitchFamily="18" charset="0"/>
+              </a:rPr>
+              <a:t>cilvēkmēnešos</a:t>
+            </a:r>
+            <a:r>
+              <a:rPr lang="lv-LV" dirty="0">
+                <a:latin typeface="Times New Roman" panose="02020603050405020304" pitchFamily="18" charset="0"/>
+                <a:cs typeface="Times New Roman" panose="02020603050405020304" pitchFamily="18" charset="0"/>
+              </a:rPr>
+              <a:t>.</a:t>
+            </a:r>
+            <a:endParaRPr lang="en-US" dirty="0">
+              <a:latin typeface="Times New Roman" panose="02020603050405020304" pitchFamily="18" charset="0"/>
+              <a:cs typeface="Times New Roman" panose="02020603050405020304" pitchFamily="18" charset="0"/>
+            </a:endParaRPr>
+          </a:p>
+          <a:p>
+            <a:pPr marL="0" indent="0">
+              <a:buNone/>
+            </a:pPr>
+            <a:endParaRPr lang="en-US" dirty="0">
+              <a:latin typeface="Times New Roman" panose="02020603050405020304" pitchFamily="18" charset="0"/>
+              <a:cs typeface="Times New Roman" panose="02020603050405020304" pitchFamily="18" charset="0"/>
+            </a:endParaRPr>
+          </a:p>
+          <a:p>
+            <a:r>
+              <a:rPr lang="en-US" dirty="0" err="1">
+                <a:latin typeface="Times New Roman" panose="02020603050405020304" pitchFamily="18" charset="0"/>
+                <a:cs typeface="Times New Roman" panose="02020603050405020304" pitchFamily="18" charset="0"/>
+              </a:rPr>
+              <a:t>Adapteris</a:t>
+            </a:r>
+            <a:r>
+              <a:rPr lang="en-US" dirty="0">
+                <a:latin typeface="Times New Roman" panose="02020603050405020304" pitchFamily="18" charset="0"/>
+                <a:cs typeface="Times New Roman" panose="02020603050405020304" pitchFamily="18" charset="0"/>
+              </a:rPr>
+              <a:t> </a:t>
+            </a:r>
+            <a:r>
+              <a:rPr lang="en-US" dirty="0" err="1">
+                <a:latin typeface="Times New Roman" panose="02020603050405020304" pitchFamily="18" charset="0"/>
+                <a:cs typeface="Times New Roman" panose="02020603050405020304" pitchFamily="18" charset="0"/>
+              </a:rPr>
+              <a:t>tiks</a:t>
+            </a:r>
+            <a:r>
+              <a:rPr lang="en-US" dirty="0">
+                <a:latin typeface="Times New Roman" panose="02020603050405020304" pitchFamily="18" charset="0"/>
+                <a:cs typeface="Times New Roman" panose="02020603050405020304" pitchFamily="18" charset="0"/>
+              </a:rPr>
+              <a:t> </a:t>
+            </a:r>
+            <a:r>
+              <a:rPr lang="lv-LV" dirty="0">
+                <a:latin typeface="Times New Roman" panose="02020603050405020304" pitchFamily="18" charset="0"/>
+                <a:cs typeface="Times New Roman" panose="02020603050405020304" pitchFamily="18" charset="0"/>
+              </a:rPr>
+              <a:t>iekļauts</a:t>
+            </a:r>
+            <a:r>
+              <a:rPr lang="en-US" dirty="0">
+                <a:latin typeface="Times New Roman" panose="02020603050405020304" pitchFamily="18" charset="0"/>
+                <a:cs typeface="Times New Roman" panose="02020603050405020304" pitchFamily="18" charset="0"/>
+              </a:rPr>
+              <a:t> </a:t>
+            </a:r>
+            <a:r>
+              <a:rPr lang="en-US" dirty="0" err="1">
+                <a:latin typeface="Times New Roman" panose="02020603050405020304" pitchFamily="18" charset="0"/>
+                <a:cs typeface="Times New Roman" panose="02020603050405020304" pitchFamily="18" charset="0"/>
+              </a:rPr>
+              <a:t>WebAppOS</a:t>
+            </a:r>
+            <a:r>
+              <a:rPr lang="en-US" dirty="0">
+                <a:latin typeface="Times New Roman" panose="02020603050405020304" pitchFamily="18" charset="0"/>
+                <a:cs typeface="Times New Roman" panose="02020603050405020304" pitchFamily="18" charset="0"/>
+              </a:rPr>
+              <a:t> </a:t>
+            </a:r>
+            <a:r>
+              <a:rPr lang="en-US" dirty="0" err="1">
+                <a:latin typeface="Times New Roman" panose="02020603050405020304" pitchFamily="18" charset="0"/>
+                <a:cs typeface="Times New Roman" panose="02020603050405020304" pitchFamily="18" charset="0"/>
+              </a:rPr>
+              <a:t>distribūcijā</a:t>
+            </a:r>
+            <a:endParaRPr lang="lv-LV" dirty="0">
+              <a:latin typeface="Times New Roman" panose="02020603050405020304" pitchFamily="18" charset="0"/>
+              <a:cs typeface="Times New Roman" panose="02020603050405020304" pitchFamily="18" charset="0"/>
+            </a:endParaRPr>
+          </a:p>
+        </p:txBody>
+      </p:sp>
+    </p:spTree>
+    <p:extLst>
+      <p:ext uri="{BB962C8B-B14F-4D97-AF65-F5344CB8AC3E}">
+        <p14:creationId xmlns:p14="http://schemas.microsoft.com/office/powerpoint/2010/main" val="2734842263"/>
       </p:ext>
     </p:extLst>
   </p:cSld>
@@ -3439,10 +4809,10 @@
       </p:grpSpPr>
       <p:sp>
         <p:nvSpPr>
-          <p:cNvPr id="2" name="Virsraksts 1">
-            <a:extLst>
-              <a:ext uri="{FF2B5EF4-FFF2-40B4-BE49-F238E27FC236}">
-                <a16:creationId xmlns:a16="http://schemas.microsoft.com/office/drawing/2014/main" id="{E7869FB9-EFD3-4A21-9212-01D5F83F7795}"/>
+          <p:cNvPr id="2" name="Title 1">
+            <a:extLst>
+              <a:ext uri="{FF2B5EF4-FFF2-40B4-BE49-F238E27FC236}">
+                <a16:creationId xmlns:a16="http://schemas.microsoft.com/office/drawing/2014/main" id="{53584E1C-579B-466E-8DF3-CDA720153EDC}"/>
               </a:ext>
             </a:extLst>
           </p:cNvPr>
@@ -3459,18 +4829,49 @@
           <a:lstStyle/>
           <a:p>
             <a:r>
-              <a:rPr lang="lv-LV" dirty="0"/>
-              <a:t>Izvirzītie mērķi</a:t>
-            </a:r>
-          </a:p>
-        </p:txBody>
-      </p:sp>
-      <p:sp>
-        <p:nvSpPr>
-          <p:cNvPr id="3" name="Satura vietturis 2">
-            <a:extLst>
-              <a:ext uri="{FF2B5EF4-FFF2-40B4-BE49-F238E27FC236}">
-                <a16:creationId xmlns:a16="http://schemas.microsoft.com/office/drawing/2014/main" id="{501E96DB-07E6-4EBC-9E4C-F549F3748BD9}"/>
+              <a:rPr lang="en-US" dirty="0">
+                <a:latin typeface="Times New Roman" panose="02020603050405020304" pitchFamily="18" charset="0"/>
+                <a:cs typeface="Times New Roman" panose="02020603050405020304" pitchFamily="18" charset="0"/>
+              </a:rPr>
+              <a:t>Kas </a:t>
+            </a:r>
+            <a:r>
+              <a:rPr lang="en-US" dirty="0" err="1">
+                <a:latin typeface="Times New Roman" panose="02020603050405020304" pitchFamily="18" charset="0"/>
+                <a:cs typeface="Times New Roman" panose="02020603050405020304" pitchFamily="18" charset="0"/>
+              </a:rPr>
+              <a:t>ir</a:t>
+            </a:r>
+            <a:r>
+              <a:rPr lang="en-US" dirty="0">
+                <a:latin typeface="Times New Roman" panose="02020603050405020304" pitchFamily="18" charset="0"/>
+                <a:cs typeface="Times New Roman" panose="02020603050405020304" pitchFamily="18" charset="0"/>
+              </a:rPr>
+              <a:t> </a:t>
+            </a:r>
+            <a:r>
+              <a:rPr lang="en-US" dirty="0" err="1">
+                <a:latin typeface="Times New Roman" panose="02020603050405020304" pitchFamily="18" charset="0"/>
+                <a:cs typeface="Times New Roman" panose="02020603050405020304" pitchFamily="18" charset="0"/>
+              </a:rPr>
+              <a:t>WebAppOS</a:t>
+            </a:r>
+            <a:r>
+              <a:rPr lang="en-US" dirty="0">
+                <a:latin typeface="Times New Roman" panose="02020603050405020304" pitchFamily="18" charset="0"/>
+                <a:cs typeface="Times New Roman" panose="02020603050405020304" pitchFamily="18" charset="0"/>
+              </a:rPr>
+              <a:t>?</a:t>
+            </a:r>
+          </a:p>
+        </p:txBody>
+      </p:sp>
+      <p:sp>
+        <p:nvSpPr>
+          <p:cNvPr id="3" name="Content Placeholder 2">
+            <a:extLst>
+              <a:ext uri="{FF2B5EF4-FFF2-40B4-BE49-F238E27FC236}">
+                <a16:creationId xmlns:a16="http://schemas.microsoft.com/office/drawing/2014/main" id="{C7547003-168F-4E29-B1CA-BA9DE6A034EB}"/>
               </a:ext>
             </a:extLst>
           </p:cNvPr>
@@ -3487,28 +4888,88 @@
           <a:lstStyle/>
           <a:p>
             <a:r>
-              <a:rPr lang="lv-LV" dirty="0"/>
-              <a:t>Valodas WAOS C# gramatikas un kompilatora izstrāde</a:t>
-            </a:r>
-          </a:p>
-          <a:p>
-            <a:r>
-              <a:rPr lang="lv-LV" dirty="0"/>
-              <a:t>C# starpkoda ģeneratora izstrāde</a:t>
-            </a:r>
-          </a:p>
-          <a:p>
-            <a:r>
-              <a:rPr lang="lv-LV" dirty="0"/>
-              <a:t>Tīmekļa procesora adaptera izstrāde</a:t>
-            </a:r>
+              <a:rPr lang="lv-LV" dirty="0" err="1">
+                <a:effectLst/>
+                <a:latin typeface="Times New Roman" panose="02020603050405020304" pitchFamily="18" charset="0"/>
+                <a:ea typeface="Times New Roman" panose="02020603050405020304" pitchFamily="18" charset="0"/>
+                <a:cs typeface="Times New Roman" panose="02020603050405020304" pitchFamily="18" charset="0"/>
+              </a:rPr>
+              <a:t>WebAppOS</a:t>
+            </a:r>
+            <a:r>
+              <a:rPr lang="lv-LV" dirty="0">
+                <a:effectLst/>
+                <a:latin typeface="Times New Roman" panose="02020603050405020304" pitchFamily="18" charset="0"/>
+                <a:ea typeface="Times New Roman" panose="02020603050405020304" pitchFamily="18" charset="0"/>
+                <a:cs typeface="Times New Roman" panose="02020603050405020304" pitchFamily="18" charset="0"/>
+              </a:rPr>
+              <a:t> ir </a:t>
+            </a:r>
+            <a:r>
+              <a:rPr lang="lv-LV" dirty="0" err="1">
+                <a:effectLst/>
+                <a:latin typeface="Times New Roman" panose="02020603050405020304" pitchFamily="18" charset="0"/>
+                <a:ea typeface="Times New Roman" panose="02020603050405020304" pitchFamily="18" charset="0"/>
+                <a:cs typeface="Times New Roman" panose="02020603050405020304" pitchFamily="18" charset="0"/>
+              </a:rPr>
+              <a:t>starpplatformu</a:t>
+            </a:r>
+            <a:r>
+              <a:rPr lang="lv-LV" dirty="0">
+                <a:effectLst/>
+                <a:latin typeface="Times New Roman" panose="02020603050405020304" pitchFamily="18" charset="0"/>
+                <a:ea typeface="Times New Roman" panose="02020603050405020304" pitchFamily="18" charset="0"/>
+                <a:cs typeface="Times New Roman" panose="02020603050405020304" pitchFamily="18" charset="0"/>
+              </a:rPr>
+              <a:t> vide, kas ļauj izsaukt kodu, kas atrodas dažādos tīkla mezglos un kas rakstīts dažādās programmēšanas valodās.</a:t>
+            </a:r>
+            <a:endParaRPr lang="en-US" dirty="0">
+              <a:effectLst/>
+              <a:latin typeface="Times New Roman" panose="02020603050405020304" pitchFamily="18" charset="0"/>
+              <a:ea typeface="Times New Roman" panose="02020603050405020304" pitchFamily="18" charset="0"/>
+              <a:cs typeface="Times New Roman" panose="02020603050405020304" pitchFamily="18" charset="0"/>
+            </a:endParaRPr>
+          </a:p>
+          <a:p>
+            <a:endParaRPr lang="en-US" dirty="0">
+              <a:effectLst/>
+              <a:latin typeface="Times New Roman" panose="02020603050405020304" pitchFamily="18" charset="0"/>
+              <a:ea typeface="Times New Roman" panose="02020603050405020304" pitchFamily="18" charset="0"/>
+              <a:cs typeface="Times New Roman" panose="02020603050405020304" pitchFamily="18" charset="0"/>
+            </a:endParaRPr>
+          </a:p>
+          <a:p>
+            <a:r>
+              <a:rPr lang="lv-LV" dirty="0" err="1">
+                <a:effectLst/>
+                <a:latin typeface="Times New Roman" panose="02020603050405020304" pitchFamily="18" charset="0"/>
+                <a:ea typeface="Times New Roman" panose="02020603050405020304" pitchFamily="18" charset="0"/>
+                <a:cs typeface="Times New Roman" panose="02020603050405020304" pitchFamily="18" charset="0"/>
+              </a:rPr>
+              <a:t>WebAppOS</a:t>
+            </a:r>
+            <a:r>
+              <a:rPr lang="lv-LV" dirty="0">
+                <a:effectLst/>
+                <a:latin typeface="Times New Roman" panose="02020603050405020304" pitchFamily="18" charset="0"/>
+                <a:ea typeface="Times New Roman" panose="02020603050405020304" pitchFamily="18" charset="0"/>
+                <a:cs typeface="Times New Roman" panose="02020603050405020304" pitchFamily="18" charset="0"/>
+              </a:rPr>
+              <a:t> operētājsistēmas izsaukumu adapteri ir paredzēti heterogēna koda izsaukšanai (līdzīgi kā “draiveri” ļauj strādāt ar dažādu ražotāju aparatūru).</a:t>
+            </a:r>
+            <a:endParaRPr lang="en-US" dirty="0">
+              <a:effectLst/>
+              <a:latin typeface="Times New Roman" panose="02020603050405020304" pitchFamily="18" charset="0"/>
+              <a:ea typeface="Times New Roman" panose="02020603050405020304" pitchFamily="18" charset="0"/>
+              <a:cs typeface="Times New Roman" panose="02020603050405020304" pitchFamily="18" charset="0"/>
+            </a:endParaRPr>
           </a:p>
         </p:txBody>
       </p:sp>
     </p:spTree>
     <p:extLst>
       <p:ext uri="{BB962C8B-B14F-4D97-AF65-F5344CB8AC3E}">
-        <p14:creationId xmlns:p14="http://schemas.microsoft.com/office/powerpoint/2010/main" val="1498841156"/>
+        <p14:creationId xmlns:p14="http://schemas.microsoft.com/office/powerpoint/2010/main" val="1368000459"/>
       </p:ext>
     </p:extLst>
   </p:cSld>
@@ -3535,74 +4996,57 @@
           <a:chExt cx="0" cy="0"/>
         </a:xfrm>
       </p:grpSpPr>
-      <p:sp>
-        <p:nvSpPr>
-          <p:cNvPr id="2" name="Virsraksts 1">
-            <a:extLst>
-              <a:ext uri="{FF2B5EF4-FFF2-40B4-BE49-F238E27FC236}">
-                <a16:creationId xmlns:a16="http://schemas.microsoft.com/office/drawing/2014/main" id="{EADDEBF8-C93F-4FBE-9A7E-20BF28C0089F}"/>
-              </a:ext>
-            </a:extLst>
-          </p:cNvPr>
-          <p:cNvSpPr>
-            <a:spLocks noGrp="1"/>
-          </p:cNvSpPr>
-          <p:nvPr>
-            <p:ph type="title"/>
-          </p:nvPr>
-        </p:nvSpPr>
-        <p:spPr/>
-        <p:txBody>
-          <a:bodyPr/>
-          <a:lstStyle/>
-          <a:p>
-            <a:r>
-              <a:rPr lang="lv-LV" dirty="0"/>
-              <a:t>Stāvokļa apraksts</a:t>
-            </a:r>
-          </a:p>
-        </p:txBody>
-      </p:sp>
-      <p:sp>
-        <p:nvSpPr>
-          <p:cNvPr id="3" name="Satura vietturis 2">
-            <a:extLst>
-              <a:ext uri="{FF2B5EF4-FFF2-40B4-BE49-F238E27FC236}">
-                <a16:creationId xmlns:a16="http://schemas.microsoft.com/office/drawing/2014/main" id="{E219B641-F388-4E9F-83F4-33896BE1C9F0}"/>
-              </a:ext>
-            </a:extLst>
-          </p:cNvPr>
-          <p:cNvSpPr>
-            <a:spLocks noGrp="1"/>
-          </p:cNvSpPr>
-          <p:nvPr>
-            <p:ph idx="1"/>
-          </p:nvPr>
-        </p:nvSpPr>
-        <p:spPr/>
-        <p:txBody>
-          <a:bodyPr/>
-          <a:lstStyle/>
-          <a:p>
-            <a:r>
-              <a:rPr lang="lv-LV" dirty="0"/>
-              <a:t>Šobrīd ir izsaukumu adapteri tikai valodām JAVA un </a:t>
-            </a:r>
-            <a:r>
-              <a:rPr lang="lv-LV" dirty="0" err="1"/>
-              <a:t>lua</a:t>
-            </a:r>
-            <a:endParaRPr lang="lv-LV" dirty="0"/>
-          </a:p>
-          <a:p>
-            <a:endParaRPr lang="lv-LV" dirty="0"/>
-          </a:p>
-        </p:txBody>
-      </p:sp>
+      <p:pic>
+        <p:nvPicPr>
+          <p:cNvPr id="1032" name="Picture 8">
+            <a:extLst>
+              <a:ext uri="{FF2B5EF4-FFF2-40B4-BE49-F238E27FC236}">
+                <a16:creationId xmlns:a16="http://schemas.microsoft.com/office/drawing/2014/main" id="{2F338E20-63B8-41D8-A50C-1234A54B7FF3}"/>
+              </a:ext>
+            </a:extLst>
+          </p:cNvPr>
+          <p:cNvPicPr>
+            <a:picLocks noChangeAspect="1" noChangeArrowheads="1"/>
+          </p:cNvPicPr>
+          <p:nvPr/>
+        </p:nvPicPr>
+        <p:blipFill>
+          <a:blip r:embed="rId2">
+            <a:extLst>
+              <a:ext uri="{28A0092B-C50C-407E-A947-70E740481C1C}">
+                <a14:useLocalDpi xmlns:a14="http://schemas.microsoft.com/office/drawing/2010/main" val="0"/>
+              </a:ext>
+            </a:extLst>
+          </a:blip>
+          <a:srcRect/>
+          <a:stretch>
+            <a:fillRect/>
+          </a:stretch>
+        </p:blipFill>
+        <p:spPr bwMode="auto">
+          <a:xfrm>
+            <a:off x="1444977" y="245890"/>
+            <a:ext cx="8760444" cy="6112740"/>
+          </a:xfrm>
+          <a:prstGeom prst="rect">
+            <a:avLst/>
+          </a:prstGeom>
+          <a:noFill/>
+          <a:extLst>
+            <a:ext uri="{909E8E84-426E-40DD-AFC4-6F175D3DCCD1}">
+              <a14:hiddenFill xmlns:a14="http://schemas.microsoft.com/office/drawing/2010/main">
+                <a:solidFill>
+                  <a:srgbClr val="FFFFFF"/>
+                </a:solidFill>
+              </a14:hiddenFill>
+            </a:ext>
+          </a:extLst>
+        </p:spPr>
+      </p:pic>
     </p:spTree>
     <p:extLst>
       <p:ext uri="{BB962C8B-B14F-4D97-AF65-F5344CB8AC3E}">
-        <p14:creationId xmlns:p14="http://schemas.microsoft.com/office/powerpoint/2010/main" val="2900143731"/>
+        <p14:creationId xmlns:p14="http://schemas.microsoft.com/office/powerpoint/2010/main" val="3515537154"/>
       </p:ext>
     </p:extLst>
   </p:cSld>
@@ -3634,7 +5078,7 @@
           <p:cNvPr id="2" name="Virsraksts 1">
             <a:extLst>
               <a:ext uri="{FF2B5EF4-FFF2-40B4-BE49-F238E27FC236}">
-                <a16:creationId xmlns:a16="http://schemas.microsoft.com/office/drawing/2014/main" id="{DD97244C-6387-4F0E-B730-3EDCFFFDE101}"/>
+                <a16:creationId xmlns:a16="http://schemas.microsoft.com/office/drawing/2014/main" id="{EADDEBF8-C93F-4FBE-9A7E-20BF28C0089F}"/>
               </a:ext>
             </a:extLst>
           </p:cNvPr>
@@ -3651,8 +5095,11 @@
           <a:lstStyle/>
           <a:p>
             <a:r>
-              <a:rPr lang="lv-LV" dirty="0"/>
-              <a:t>Risinājums kompilatoram un ģeneratoram</a:t>
+              <a:rPr lang="lv-LV" dirty="0">
+                <a:latin typeface="Times New Roman" panose="02020603050405020304" pitchFamily="18" charset="0"/>
+                <a:cs typeface="Times New Roman" panose="02020603050405020304" pitchFamily="18" charset="0"/>
+              </a:rPr>
+              <a:t>Stāvokļa apraksts</a:t>
             </a:r>
           </a:p>
         </p:txBody>
@@ -3662,7 +5109,7 @@
           <p:cNvPr id="3" name="Satura vietturis 2">
             <a:extLst>
               <a:ext uri="{FF2B5EF4-FFF2-40B4-BE49-F238E27FC236}">
-                <a16:creationId xmlns:a16="http://schemas.microsoft.com/office/drawing/2014/main" id="{D5973A54-8418-4F54-B70B-7217DA5AEE41}"/>
+                <a16:creationId xmlns:a16="http://schemas.microsoft.com/office/drawing/2014/main" id="{E219B641-F388-4E9F-83F4-33896BE1C9F0}"/>
               </a:ext>
             </a:extLst>
           </p:cNvPr>
@@ -3679,122 +5126,101 @@
           <a:lstStyle/>
           <a:p>
             <a:r>
-              <a:rPr lang="lv-LV" dirty="0"/>
-              <a:t>Programmēšanas valodas izvēle – C#. Izmanto .NET 5.</a:t>
-            </a:r>
-          </a:p>
-          <a:p>
-            <a:pPr lvl="1"/>
-            <a:r>
-              <a:rPr lang="lv-LV" dirty="0"/>
-              <a:t>Kāpēc?</a:t>
-            </a:r>
-          </a:p>
-          <a:p>
-            <a:r>
-              <a:rPr lang="lv-LV" dirty="0"/>
-              <a:t>ANTLR4 – WAOS C# gramatikas un kompilatora veidošanai</a:t>
-            </a:r>
-          </a:p>
-          <a:p>
-            <a:pPr lvl="1"/>
-            <a:r>
-              <a:rPr lang="lv-LV" dirty="0"/>
-              <a:t>Atbalsts vairākās populāras programmēšanas valodās (C#, PHP, </a:t>
-            </a:r>
-            <a:r>
-              <a:rPr lang="lv-LV" dirty="0" err="1"/>
-              <a:t>JavaScript</a:t>
-            </a:r>
-            <a:r>
-              <a:rPr lang="lv-LV" dirty="0"/>
-              <a:t>, </a:t>
-            </a:r>
-            <a:r>
-              <a:rPr lang="lv-LV" dirty="0" err="1"/>
-              <a:t>Python</a:t>
-            </a:r>
-            <a:r>
-              <a:rPr lang="lv-LV" dirty="0"/>
-              <a:t>, Java, C++, </a:t>
-            </a:r>
-            <a:r>
-              <a:rPr lang="lv-LV" dirty="0" err="1"/>
-              <a:t>Swift</a:t>
-            </a:r>
-            <a:r>
-              <a:rPr lang="lv-LV" dirty="0"/>
-              <a:t>, </a:t>
-            </a:r>
-            <a:r>
-              <a:rPr lang="lv-LV" dirty="0" err="1"/>
-              <a:t>Go</a:t>
-            </a:r>
-            <a:r>
-              <a:rPr lang="lv-LV" dirty="0"/>
-              <a:t>)</a:t>
-            </a:r>
-          </a:p>
-          <a:p>
-            <a:r>
-              <a:rPr lang="lv-LV" dirty="0" err="1"/>
-              <a:t>Pašveidotas</a:t>
-            </a:r>
-            <a:r>
-              <a:rPr lang="lv-LV" dirty="0"/>
-              <a:t> datu struktūras </a:t>
-            </a:r>
-            <a:r>
-              <a:rPr lang="lv-LV" dirty="0" err="1"/>
-              <a:t>jaunkoda</a:t>
-            </a:r>
-            <a:r>
-              <a:rPr lang="lv-LV" dirty="0"/>
-              <a:t> informācijas glabāšanai.</a:t>
-            </a:r>
-          </a:p>
-          <a:p>
-            <a:pPr lvl="1"/>
-            <a:r>
-              <a:rPr lang="lv-LV" dirty="0"/>
-              <a:t>Iegūtie dati no </a:t>
-            </a:r>
-            <a:r>
-              <a:rPr lang="lv-LV" dirty="0" err="1"/>
-              <a:t>jaunkoda</a:t>
-            </a:r>
-            <a:r>
-              <a:rPr lang="lv-LV" dirty="0"/>
-              <a:t> tiks izmantoti, lai ģenerētu </a:t>
-            </a:r>
-            <a:r>
-              <a:rPr lang="lv-LV" dirty="0" err="1"/>
-              <a:t>starpkodu</a:t>
-            </a:r>
-            <a:r>
-              <a:rPr lang="lv-LV" dirty="0"/>
+              <a:rPr lang="lv-LV" dirty="0">
+                <a:latin typeface="Times New Roman" panose="02020603050405020304" pitchFamily="18" charset="0"/>
+                <a:cs typeface="Times New Roman" panose="02020603050405020304" pitchFamily="18" charset="0"/>
+              </a:rPr>
+              <a:t>Šobrīd ir izsaukumu adapteri tikai valodām JAVA un </a:t>
+            </a:r>
+            <a:r>
+              <a:rPr lang="lv-LV" dirty="0" err="1">
+                <a:latin typeface="Times New Roman" panose="02020603050405020304" pitchFamily="18" charset="0"/>
+                <a:cs typeface="Times New Roman" panose="02020603050405020304" pitchFamily="18" charset="0"/>
+              </a:rPr>
+              <a:t>lua</a:t>
+            </a:r>
+            <a:r>
+              <a:rPr lang="en-US" dirty="0">
+                <a:latin typeface="Times New Roman" panose="02020603050405020304" pitchFamily="18" charset="0"/>
+                <a:cs typeface="Times New Roman" panose="02020603050405020304" pitchFamily="18" charset="0"/>
+              </a:rPr>
+              <a:t> (</a:t>
+            </a:r>
+            <a:r>
+              <a:rPr lang="lv-LV" dirty="0">
+                <a:latin typeface="Times New Roman" panose="02020603050405020304" pitchFamily="18" charset="0"/>
+                <a:cs typeface="Times New Roman" panose="02020603050405020304" pitchFamily="18" charset="0"/>
+              </a:rPr>
+              <a:t>vēlamies C# valodai</a:t>
+            </a:r>
+            <a:r>
+              <a:rPr lang="en-US" dirty="0">
+                <a:latin typeface="Times New Roman" panose="02020603050405020304" pitchFamily="18" charset="0"/>
+                <a:cs typeface="Times New Roman" panose="02020603050405020304" pitchFamily="18" charset="0"/>
+              </a:rPr>
+              <a:t>).</a:t>
+            </a:r>
+          </a:p>
+          <a:p>
+            <a:endParaRPr lang="en-US" dirty="0">
+              <a:latin typeface="Times New Roman" panose="02020603050405020304" pitchFamily="18" charset="0"/>
+              <a:cs typeface="Times New Roman" panose="02020603050405020304" pitchFamily="18" charset="0"/>
+            </a:endParaRPr>
+          </a:p>
+          <a:p>
+            <a:r>
+              <a:rPr lang="en-US" dirty="0">
+                <a:latin typeface="Times New Roman" panose="02020603050405020304" pitchFamily="18" charset="0"/>
+                <a:cs typeface="Times New Roman" panose="02020603050405020304" pitchFamily="18" charset="0"/>
+              </a:rPr>
+              <a:t>RAAPI </a:t>
+            </a:r>
+            <a:r>
+              <a:rPr lang="lv-LV" dirty="0">
+                <a:latin typeface="Times New Roman" panose="02020603050405020304" pitchFamily="18" charset="0"/>
+                <a:cs typeface="Times New Roman" panose="02020603050405020304" pitchFamily="18" charset="0"/>
+              </a:rPr>
+              <a:t>ir zema līmeņa </a:t>
+            </a:r>
+            <a:r>
+              <a:rPr lang="en-US" dirty="0">
+                <a:latin typeface="Times New Roman" panose="02020603050405020304" pitchFamily="18" charset="0"/>
+                <a:cs typeface="Times New Roman" panose="02020603050405020304" pitchFamily="18" charset="0"/>
+              </a:rPr>
+              <a:t>API</a:t>
+            </a:r>
+            <a:r>
+              <a:rPr lang="lv-LV" dirty="0">
+                <a:latin typeface="Times New Roman" panose="02020603050405020304" pitchFamily="18" charset="0"/>
+                <a:cs typeface="Times New Roman" panose="02020603050405020304" pitchFamily="18" charset="0"/>
+              </a:rPr>
+              <a:t>. Vēlamies augstāku abstrakcijas līmeni</a:t>
+            </a:r>
+            <a:r>
+              <a:rPr lang="en-US" dirty="0">
+                <a:latin typeface="Times New Roman" panose="02020603050405020304" pitchFamily="18" charset="0"/>
+                <a:cs typeface="Times New Roman" panose="02020603050405020304" pitchFamily="18" charset="0"/>
+              </a:rPr>
               <a:t>.</a:t>
             </a:r>
-          </a:p>
-          <a:p>
-            <a:r>
-              <a:rPr lang="lv-LV" dirty="0"/>
-              <a:t>Katrai klasei ģenerē savu starpkoda failu</a:t>
-            </a:r>
-          </a:p>
-          <a:p>
-            <a:pPr lvl="1"/>
-            <a:r>
-              <a:rPr lang="lv-LV" dirty="0"/>
-              <a:t>Var gadīties, ka būs vairākas klases ar vairākiem atribūtiem un metodēm, un, rakstot visu vienā failā, </a:t>
-            </a:r>
-            <a:r>
-              <a:rPr lang="lv-LV" dirty="0" err="1"/>
-              <a:t>starpkods</a:t>
-            </a:r>
-            <a:r>
-              <a:rPr lang="lv-LV" dirty="0"/>
-              <a:t> nav lasāms. C# principi.</a:t>
+            <a:endParaRPr lang="lv-LV" dirty="0">
+              <a:latin typeface="Times New Roman" panose="02020603050405020304" pitchFamily="18" charset="0"/>
+              <a:cs typeface="Times New Roman" panose="02020603050405020304" pitchFamily="18" charset="0"/>
+            </a:endParaRPr>
+          </a:p>
+          <a:p>
+            <a:endParaRPr lang="en-US" dirty="0">
+              <a:latin typeface="Times New Roman" panose="02020603050405020304" pitchFamily="18" charset="0"/>
+              <a:cs typeface="Times New Roman" panose="02020603050405020304" pitchFamily="18" charset="0"/>
+            </a:endParaRPr>
+          </a:p>
+          <a:p>
+            <a:r>
+              <a:rPr lang="lv-LV" dirty="0">
+                <a:latin typeface="Times New Roman" panose="02020603050405020304" pitchFamily="18" charset="0"/>
+                <a:cs typeface="Times New Roman" panose="02020603050405020304" pitchFamily="18" charset="0"/>
+              </a:rPr>
+              <a:t>Nav iespējams strādāt ar tīmekļa atmiņas objektiem kā ar dotas programmēšanas valodas objektiem. Vēlamies C# koda ģeneratoru.</a:t>
             </a:r>
           </a:p>
         </p:txBody>
@@ -3802,7 +5228,7 @@
     </p:spTree>
     <p:extLst>
       <p:ext uri="{BB962C8B-B14F-4D97-AF65-F5344CB8AC3E}">
-        <p14:creationId xmlns:p14="http://schemas.microsoft.com/office/powerpoint/2010/main" val="3124512389"/>
+        <p14:creationId xmlns:p14="http://schemas.microsoft.com/office/powerpoint/2010/main" val="2900143731"/>
       </p:ext>
     </p:extLst>
   </p:cSld>
@@ -3834,7 +5260,7 @@
           <p:cNvPr id="2" name="Virsraksts 1">
             <a:extLst>
               <a:ext uri="{FF2B5EF4-FFF2-40B4-BE49-F238E27FC236}">
-                <a16:creationId xmlns:a16="http://schemas.microsoft.com/office/drawing/2014/main" id="{76A6A1F6-3E7E-470C-AD52-7FAB05B430DE}"/>
+                <a16:creationId xmlns:a16="http://schemas.microsoft.com/office/drawing/2014/main" id="{E7869FB9-EFD3-4A21-9212-01D5F83F7795}"/>
               </a:ext>
             </a:extLst>
           </p:cNvPr>
@@ -3851,16 +5277,11 @@
           <a:lstStyle/>
           <a:p>
             <a:r>
-              <a:rPr lang="lv-LV" dirty="0"/>
-              <a:t>Risinājums </a:t>
-            </a:r>
-            <a:r>
-              <a:rPr lang="lv-LV" dirty="0" err="1"/>
-              <a:t>WebMemory</a:t>
-            </a:r>
-            <a:r>
-              <a:rPr lang="lv-LV" dirty="0"/>
-              <a:t> un izsaukumu adapterim</a:t>
+              <a:rPr lang="lv-LV" dirty="0">
+                <a:latin typeface="Times New Roman" panose="02020603050405020304" pitchFamily="18" charset="0"/>
+                <a:cs typeface="Times New Roman" panose="02020603050405020304" pitchFamily="18" charset="0"/>
+              </a:rPr>
+              <a:t>Izvirzītie mērķi</a:t>
             </a:r>
           </a:p>
         </p:txBody>
@@ -3870,7 +5291,7 @@
           <p:cNvPr id="3" name="Satura vietturis 2">
             <a:extLst>
               <a:ext uri="{FF2B5EF4-FFF2-40B4-BE49-F238E27FC236}">
-                <a16:creationId xmlns:a16="http://schemas.microsoft.com/office/drawing/2014/main" id="{FBEEF258-DDDB-46A5-A51C-4D22C189350C}"/>
+                <a16:creationId xmlns:a16="http://schemas.microsoft.com/office/drawing/2014/main" id="{501E96DB-07E6-4EBC-9E4C-F549F3748BD9}"/>
               </a:ext>
             </a:extLst>
           </p:cNvPr>
@@ -3887,24 +5308,118 @@
           <a:lstStyle/>
           <a:p>
             <a:r>
-              <a:rPr lang="lv-LV" dirty="0"/>
-              <a:t>LINQ – datu iegūšanai no </a:t>
-            </a:r>
-            <a:r>
-              <a:rPr lang="lv-LV" dirty="0" err="1"/>
-              <a:t>TDAKernel</a:t>
-            </a:r>
-            <a:endParaRPr lang="lv-LV" dirty="0"/>
-          </a:p>
-          <a:p>
-            <a:endParaRPr lang="lv-LV" dirty="0"/>
+              <a:rPr lang="lv-LV" dirty="0">
+                <a:latin typeface="Times New Roman" panose="02020603050405020304" pitchFamily="18" charset="0"/>
+                <a:cs typeface="Times New Roman" panose="02020603050405020304" pitchFamily="18" charset="0"/>
+              </a:rPr>
+              <a:t>Tīmekļa procesora adaptera izstrāde</a:t>
+            </a:r>
+            <a:r>
+              <a:rPr lang="en-US" dirty="0">
+                <a:latin typeface="Times New Roman" panose="02020603050405020304" pitchFamily="18" charset="0"/>
+                <a:cs typeface="Times New Roman" panose="02020603050405020304" pitchFamily="18" charset="0"/>
+              </a:rPr>
+              <a:t> C# un .NET 5.</a:t>
+            </a:r>
+          </a:p>
+          <a:p>
+            <a:endParaRPr lang="en-US" dirty="0">
+              <a:latin typeface="Times New Roman" panose="02020603050405020304" pitchFamily="18" charset="0"/>
+              <a:cs typeface="Times New Roman" panose="02020603050405020304" pitchFamily="18" charset="0"/>
+            </a:endParaRPr>
+          </a:p>
+          <a:p>
+            <a:r>
+              <a:rPr lang="lv-LV" dirty="0">
+                <a:latin typeface="Times New Roman" panose="02020603050405020304" pitchFamily="18" charset="0"/>
+                <a:cs typeface="Times New Roman" panose="02020603050405020304" pitchFamily="18" charset="0"/>
+              </a:rPr>
+              <a:t>Augstāka līmeņa </a:t>
+            </a:r>
+            <a:r>
+              <a:rPr lang="en-US" dirty="0">
+                <a:latin typeface="Times New Roman" panose="02020603050405020304" pitchFamily="18" charset="0"/>
+                <a:cs typeface="Times New Roman" panose="02020603050405020304" pitchFamily="18" charset="0"/>
+              </a:rPr>
+              <a:t>(OOP) API </a:t>
+            </a:r>
+            <a:r>
+              <a:rPr lang="lv-LV" dirty="0">
+                <a:latin typeface="Times New Roman" panose="02020603050405020304" pitchFamily="18" charset="0"/>
+                <a:cs typeface="Times New Roman" panose="02020603050405020304" pitchFamily="18" charset="0"/>
+              </a:rPr>
+              <a:t>izstrāde</a:t>
+            </a:r>
+            <a:r>
+              <a:rPr lang="en-US" dirty="0">
+                <a:latin typeface="Times New Roman" panose="02020603050405020304" pitchFamily="18" charset="0"/>
+                <a:cs typeface="Times New Roman" panose="02020603050405020304" pitchFamily="18" charset="0"/>
+              </a:rPr>
+              <a:t>.</a:t>
+            </a:r>
+          </a:p>
+          <a:p>
+            <a:endParaRPr lang="en-US" dirty="0">
+              <a:latin typeface="Times New Roman" panose="02020603050405020304" pitchFamily="18" charset="0"/>
+              <a:cs typeface="Times New Roman" panose="02020603050405020304" pitchFamily="18" charset="0"/>
+            </a:endParaRPr>
+          </a:p>
+          <a:p>
+            <a:r>
+              <a:rPr lang="lv-LV" dirty="0">
+                <a:latin typeface="Times New Roman" panose="02020603050405020304" pitchFamily="18" charset="0"/>
+                <a:cs typeface="Times New Roman" panose="02020603050405020304" pitchFamily="18" charset="0"/>
+              </a:rPr>
+              <a:t>Jaunas valodas gramatikas un kompilatora izstrāde</a:t>
+            </a:r>
+            <a:r>
+              <a:rPr lang="en-US" dirty="0">
+                <a:latin typeface="Times New Roman" panose="02020603050405020304" pitchFamily="18" charset="0"/>
+                <a:cs typeface="Times New Roman" panose="02020603050405020304" pitchFamily="18" charset="0"/>
+              </a:rPr>
+              <a:t> un </a:t>
+            </a:r>
+            <a:r>
+              <a:rPr lang="lv-LV" dirty="0">
+                <a:latin typeface="Times New Roman" panose="02020603050405020304" pitchFamily="18" charset="0"/>
+                <a:cs typeface="Times New Roman" panose="02020603050405020304" pitchFamily="18" charset="0"/>
+              </a:rPr>
+              <a:t>C# starpkoda ģeneratora izstrāde</a:t>
+            </a:r>
+            <a:r>
+              <a:rPr lang="en-US" dirty="0">
+                <a:latin typeface="Times New Roman" panose="02020603050405020304" pitchFamily="18" charset="0"/>
+                <a:cs typeface="Times New Roman" panose="02020603050405020304" pitchFamily="18" charset="0"/>
+              </a:rPr>
+              <a:t>.</a:t>
+            </a:r>
+          </a:p>
+          <a:p>
+            <a:pPr lvl="1"/>
+            <a:r>
+              <a:rPr lang="lv-LV" dirty="0">
+                <a:latin typeface="Times New Roman" panose="02020603050405020304" pitchFamily="18" charset="0"/>
+                <a:cs typeface="Times New Roman" panose="02020603050405020304" pitchFamily="18" charset="0"/>
+              </a:rPr>
+              <a:t>Lai varētu izmantot tīmekļa atmiņas objektus kā C# objektus.</a:t>
+            </a:r>
+          </a:p>
+          <a:p>
+            <a:pPr lvl="1"/>
+            <a:r>
+              <a:rPr lang="lv-LV" dirty="0">
+                <a:latin typeface="Times New Roman" panose="02020603050405020304" pitchFamily="18" charset="0"/>
+                <a:cs typeface="Times New Roman" panose="02020603050405020304" pitchFamily="18" charset="0"/>
+              </a:rPr>
+              <a:t>Starpkods izmanto OOP API.</a:t>
+            </a:r>
           </a:p>
         </p:txBody>
       </p:sp>
     </p:spTree>
     <p:extLst>
       <p:ext uri="{BB962C8B-B14F-4D97-AF65-F5344CB8AC3E}">
-        <p14:creationId xmlns:p14="http://schemas.microsoft.com/office/powerpoint/2010/main" val="3211450216"/>
+        <p14:creationId xmlns:p14="http://schemas.microsoft.com/office/powerpoint/2010/main" val="1498841156"/>
       </p:ext>
     </p:extLst>
   </p:cSld>
@@ -3936,7 +5451,7 @@
           <p:cNvPr id="2" name="Virsraksts 1">
             <a:extLst>
               <a:ext uri="{FF2B5EF4-FFF2-40B4-BE49-F238E27FC236}">
-                <a16:creationId xmlns:a16="http://schemas.microsoft.com/office/drawing/2014/main" id="{C8E1B13B-4241-48C0-90AA-54188E1CD19A}"/>
+                <a16:creationId xmlns:a16="http://schemas.microsoft.com/office/drawing/2014/main" id="{DD97244C-6387-4F0E-B730-3EDCFFFDE101}"/>
               </a:ext>
             </a:extLst>
           </p:cNvPr>
@@ -3953,8 +5468,39 @@
           <a:lstStyle/>
           <a:p>
             <a:r>
-              <a:rPr lang="lv-LV" dirty="0"/>
-              <a:t>Rezultāti</a:t>
+              <a:rPr lang="lv-LV" dirty="0">
+                <a:latin typeface="Times New Roman" panose="02020603050405020304" pitchFamily="18" charset="0"/>
+                <a:cs typeface="Times New Roman" panose="02020603050405020304" pitchFamily="18" charset="0"/>
+              </a:rPr>
+              <a:t>Risinājums kompilatoram un </a:t>
+            </a:r>
+            <a:r>
+              <a:rPr lang="en-US" dirty="0">
+                <a:latin typeface="Times New Roman" panose="02020603050405020304" pitchFamily="18" charset="0"/>
+                <a:cs typeface="Times New Roman" panose="02020603050405020304" pitchFamily="18" charset="0"/>
+              </a:rPr>
+              <a:t>C# </a:t>
+            </a:r>
+            <a:r>
+              <a:rPr lang="en-US" dirty="0" err="1">
+                <a:latin typeface="Times New Roman" panose="02020603050405020304" pitchFamily="18" charset="0"/>
+                <a:cs typeface="Times New Roman" panose="02020603050405020304" pitchFamily="18" charset="0"/>
+              </a:rPr>
+              <a:t>koda</a:t>
+            </a:r>
+            <a:r>
+              <a:rPr lang="en-US" dirty="0">
+                <a:latin typeface="Times New Roman" panose="02020603050405020304" pitchFamily="18" charset="0"/>
+                <a:cs typeface="Times New Roman" panose="02020603050405020304" pitchFamily="18" charset="0"/>
+              </a:rPr>
+              <a:t> </a:t>
+            </a:r>
+            <a:r>
+              <a:rPr lang="lv-LV" dirty="0">
+                <a:latin typeface="Times New Roman" panose="02020603050405020304" pitchFamily="18" charset="0"/>
+                <a:cs typeface="Times New Roman" panose="02020603050405020304" pitchFamily="18" charset="0"/>
+              </a:rPr>
+              <a:t>ģeneratoram</a:t>
             </a:r>
           </a:p>
         </p:txBody>
@@ -3964,7 +5510,7 @@
           <p:cNvPr id="3" name="Satura vietturis 2">
             <a:extLst>
               <a:ext uri="{FF2B5EF4-FFF2-40B4-BE49-F238E27FC236}">
-                <a16:creationId xmlns:a16="http://schemas.microsoft.com/office/drawing/2014/main" id="{30B3118C-7BF8-4771-BEB0-7E50150E8C42}"/>
+                <a16:creationId xmlns:a16="http://schemas.microsoft.com/office/drawing/2014/main" id="{D5973A54-8418-4F54-B70B-7217DA5AEE41}"/>
               </a:ext>
             </a:extLst>
           </p:cNvPr>
@@ -3977,17 +5523,92 @@
         </p:nvSpPr>
         <p:spPr/>
         <p:txBody>
-          <a:bodyPr/>
-          <a:lstStyle/>
-          <a:p>
-            <a:endParaRPr lang="lv-LV"/>
+          <a:bodyPr>
+            <a:normAutofit/>
+          </a:bodyPr>
+          <a:lstStyle/>
+          <a:p>
+            <a:r>
+              <a:rPr lang="lv-LV" dirty="0">
+                <a:latin typeface="Times New Roman" panose="02020603050405020304" pitchFamily="18" charset="0"/>
+                <a:cs typeface="Times New Roman" panose="02020603050405020304" pitchFamily="18" charset="0"/>
+              </a:rPr>
+              <a:t>Programmēšanas valodas izvēle – C#. Izmanto .NET 5.</a:t>
+            </a:r>
+          </a:p>
+          <a:p>
+            <a:endParaRPr lang="en-US" dirty="0">
+              <a:latin typeface="Times New Roman" panose="02020603050405020304" pitchFamily="18" charset="0"/>
+              <a:cs typeface="Times New Roman" panose="02020603050405020304" pitchFamily="18" charset="0"/>
+            </a:endParaRPr>
+          </a:p>
+          <a:p>
+            <a:r>
+              <a:rPr lang="lv-LV" dirty="0">
+                <a:latin typeface="Times New Roman" panose="02020603050405020304" pitchFamily="18" charset="0"/>
+                <a:cs typeface="Times New Roman" panose="02020603050405020304" pitchFamily="18" charset="0"/>
+              </a:rPr>
+              <a:t>ANTLR4 – WAOS C# gramatikas un kompilatora veidošanai</a:t>
+            </a:r>
+            <a:r>
+              <a:rPr lang="en-US" dirty="0">
+                <a:latin typeface="Times New Roman" panose="02020603050405020304" pitchFamily="18" charset="0"/>
+                <a:cs typeface="Times New Roman" panose="02020603050405020304" pitchFamily="18" charset="0"/>
+              </a:rPr>
+              <a:t>.</a:t>
+            </a:r>
+            <a:endParaRPr lang="lv-LV" dirty="0">
+              <a:latin typeface="Times New Roman" panose="02020603050405020304" pitchFamily="18" charset="0"/>
+              <a:cs typeface="Times New Roman" panose="02020603050405020304" pitchFamily="18" charset="0"/>
+            </a:endParaRPr>
+          </a:p>
+          <a:p>
+            <a:endParaRPr lang="en-US" dirty="0">
+              <a:latin typeface="Times New Roman" panose="02020603050405020304" pitchFamily="18" charset="0"/>
+              <a:cs typeface="Times New Roman" panose="02020603050405020304" pitchFamily="18" charset="0"/>
+            </a:endParaRPr>
+          </a:p>
+          <a:p>
+            <a:r>
+              <a:rPr lang="lv-LV" dirty="0">
+                <a:latin typeface="Times New Roman" panose="02020603050405020304" pitchFamily="18" charset="0"/>
+                <a:cs typeface="Times New Roman" panose="02020603050405020304" pitchFamily="18" charset="0"/>
+              </a:rPr>
+              <a:t>Pašveidotas datu struktūras jaunkoda informācijas glabāšanai.</a:t>
+            </a:r>
+          </a:p>
+          <a:p>
+            <a:endParaRPr lang="en-US" dirty="0">
+              <a:latin typeface="Times New Roman" panose="02020603050405020304" pitchFamily="18" charset="0"/>
+              <a:cs typeface="Times New Roman" panose="02020603050405020304" pitchFamily="18" charset="0"/>
+            </a:endParaRPr>
+          </a:p>
+          <a:p>
+            <a:r>
+              <a:rPr lang="lv-LV" dirty="0">
+                <a:latin typeface="Times New Roman" panose="02020603050405020304" pitchFamily="18" charset="0"/>
+                <a:cs typeface="Times New Roman" panose="02020603050405020304" pitchFamily="18" charset="0"/>
+              </a:rPr>
+              <a:t>Katrai klasei ģenerē savu starpkoda failu</a:t>
+            </a:r>
+            <a:r>
+              <a:rPr lang="en-US" dirty="0">
+                <a:latin typeface="Times New Roman" panose="02020603050405020304" pitchFamily="18" charset="0"/>
+                <a:cs typeface="Times New Roman" panose="02020603050405020304" pitchFamily="18" charset="0"/>
+              </a:rPr>
+              <a:t>.</a:t>
+            </a:r>
+            <a:endParaRPr lang="lv-LV" dirty="0">
+              <a:latin typeface="Times New Roman" panose="02020603050405020304" pitchFamily="18" charset="0"/>
+              <a:cs typeface="Times New Roman" panose="02020603050405020304" pitchFamily="18" charset="0"/>
+            </a:endParaRPr>
           </a:p>
         </p:txBody>
       </p:sp>
     </p:spTree>
     <p:extLst>
       <p:ext uri="{BB962C8B-B14F-4D97-AF65-F5344CB8AC3E}">
-        <p14:creationId xmlns:p14="http://schemas.microsoft.com/office/powerpoint/2010/main" val="2734842263"/>
+        <p14:creationId xmlns:p14="http://schemas.microsoft.com/office/powerpoint/2010/main" val="3124512389"/>
       </p:ext>
     </p:extLst>
   </p:cSld>
@@ -4016,10 +5637,10 @@
       </p:grpSpPr>
       <p:sp>
         <p:nvSpPr>
-          <p:cNvPr id="2" name="Virsraksts 1">
-            <a:extLst>
-              <a:ext uri="{FF2B5EF4-FFF2-40B4-BE49-F238E27FC236}">
-                <a16:creationId xmlns:a16="http://schemas.microsoft.com/office/drawing/2014/main" id="{616E1EB7-FA23-4DEC-B58D-75A85E4D8E46}"/>
+          <p:cNvPr id="2" name="Title 1">
+            <a:extLst>
+              <a:ext uri="{FF2B5EF4-FFF2-40B4-BE49-F238E27FC236}">
+                <a16:creationId xmlns:a16="http://schemas.microsoft.com/office/drawing/2014/main" id="{3084D7B8-C85A-4408-9B3D-5718631C23AD}"/>
               </a:ext>
             </a:extLst>
           </p:cNvPr>
@@ -4037,49 +5658,425 @@
           <a:p>
             <a:r>
               <a:rPr lang="lv-LV" dirty="0"/>
-              <a:t>Izmantotā literatūra</a:t>
-            </a:r>
-          </a:p>
-        </p:txBody>
-      </p:sp>
-      <p:sp>
-        <p:nvSpPr>
-          <p:cNvPr id="3" name="Satura vietturis 2">
-            <a:extLst>
-              <a:ext uri="{FF2B5EF4-FFF2-40B4-BE49-F238E27FC236}">
-                <a16:creationId xmlns:a16="http://schemas.microsoft.com/office/drawing/2014/main" id="{05AA24F9-FBC0-4D4A-80C2-EA36645B0677}"/>
-              </a:ext>
-            </a:extLst>
-          </p:cNvPr>
-          <p:cNvSpPr>
-            <a:spLocks noGrp="1"/>
-          </p:cNvSpPr>
-          <p:nvPr>
-            <p:ph idx="1"/>
-          </p:nvPr>
-        </p:nvSpPr>
-        <p:spPr/>
-        <p:txBody>
-          <a:bodyPr/>
-          <a:lstStyle/>
-          <a:p>
-            <a:r>
-              <a:rPr lang="lv-LV" dirty="0">
-                <a:hlinkClick r:id="rId2"/>
-              </a:rPr>
-              <a:t>https://github.com/antlr/antlr4/blob/master/doc/targets.md</a:t>
-            </a:r>
-            <a:endParaRPr lang="lv-LV" dirty="0"/>
-          </a:p>
-          <a:p>
-            <a:endParaRPr lang="lv-LV" dirty="0"/>
-          </a:p>
-        </p:txBody>
-      </p:sp>
+              <a:t>Kompilatora struktūra</a:t>
+            </a:r>
+            <a:endParaRPr lang="en-US" dirty="0"/>
+          </a:p>
+        </p:txBody>
+      </p:sp>
+      <p:pic>
+        <p:nvPicPr>
+          <p:cNvPr id="3" name="Picture 2">
+            <a:extLst>
+              <a:ext uri="{FF2B5EF4-FFF2-40B4-BE49-F238E27FC236}">
+                <a16:creationId xmlns:a16="http://schemas.microsoft.com/office/drawing/2014/main" id="{26017D25-E8A7-447A-8D6D-27A6A9C8B1FF}"/>
+              </a:ext>
+            </a:extLst>
+          </p:cNvPr>
+          <p:cNvPicPr>
+            <a:picLocks noChangeAspect="1" noChangeArrowheads="1"/>
+          </p:cNvPicPr>
+          <p:nvPr/>
+        </p:nvPicPr>
+        <p:blipFill>
+          <a:blip r:embed="rId2">
+            <a:extLst>
+              <a:ext uri="{28A0092B-C50C-407E-A947-70E740481C1C}">
+                <a14:useLocalDpi xmlns:a14="http://schemas.microsoft.com/office/drawing/2010/main" val="0"/>
+              </a:ext>
+            </a:extLst>
+          </a:blip>
+          <a:srcRect/>
+          <a:stretch>
+            <a:fillRect/>
+          </a:stretch>
+        </p:blipFill>
+        <p:spPr bwMode="auto">
+          <a:xfrm>
+            <a:off x="1225604" y="1346151"/>
+            <a:ext cx="9740792" cy="4828870"/>
+          </a:xfrm>
+          <a:prstGeom prst="rect">
+            <a:avLst/>
+          </a:prstGeom>
+          <a:noFill/>
+          <a:extLst>
+            <a:ext uri="{909E8E84-426E-40DD-AFC4-6F175D3DCCD1}">
+              <a14:hiddenFill xmlns:a14="http://schemas.microsoft.com/office/drawing/2010/main">
+                <a:solidFill>
+                  <a:srgbClr val="FFFFFF"/>
+                </a:solidFill>
+              </a14:hiddenFill>
+            </a:ext>
+          </a:extLst>
+        </p:spPr>
+      </p:pic>
     </p:spTree>
     <p:extLst>
       <p:ext uri="{BB962C8B-B14F-4D97-AF65-F5344CB8AC3E}">
-        <p14:creationId xmlns:p14="http://schemas.microsoft.com/office/powerpoint/2010/main" val="3473418893"/>
+        <p14:creationId xmlns:p14="http://schemas.microsoft.com/office/powerpoint/2010/main" val="1754635803"/>
+      </p:ext>
+    </p:extLst>
+  </p:cSld>
+  <p:clrMapOvr>
+    <a:masterClrMapping/>
+  </p:clrMapOvr>
+</p:sld>
+</file>
+
+<file path=ppt/slides/slide8.xml><?xml version="1.0" encoding="utf-8"?>
+<p:sld xmlns:a="http://schemas.openxmlformats.org/drawingml/2006/main" xmlns:r="http://schemas.openxmlformats.org/officeDocument/2006/relationships" xmlns:p="http://schemas.openxmlformats.org/presentationml/2006/main">
+  <p:cSld>
+    <p:spTree>
+      <p:nvGrpSpPr>
+        <p:cNvPr id="1" name=""/>
+        <p:cNvGrpSpPr/>
+        <p:nvPr/>
+      </p:nvGrpSpPr>
+      <p:grpSpPr>
+        <a:xfrm>
+          <a:off x="0" y="0"/>
+          <a:ext cx="0" cy="0"/>
+          <a:chOff x="0" y="0"/>
+          <a:chExt cx="0" cy="0"/>
+        </a:xfrm>
+      </p:grpSpPr>
+      <p:sp>
+        <p:nvSpPr>
+          <p:cNvPr id="2" name="Virsraksts 1">
+            <a:extLst>
+              <a:ext uri="{FF2B5EF4-FFF2-40B4-BE49-F238E27FC236}">
+                <a16:creationId xmlns:a16="http://schemas.microsoft.com/office/drawing/2014/main" id="{76A6A1F6-3E7E-470C-AD52-7FAB05B430DE}"/>
+              </a:ext>
+            </a:extLst>
+          </p:cNvPr>
+          <p:cNvSpPr>
+            <a:spLocks noGrp="1"/>
+          </p:cNvSpPr>
+          <p:nvPr>
+            <p:ph type="title"/>
+          </p:nvPr>
+        </p:nvSpPr>
+        <p:spPr/>
+        <p:txBody>
+          <a:bodyPr/>
+          <a:lstStyle/>
+          <a:p>
+            <a:r>
+              <a:rPr lang="lv-LV" dirty="0">
+                <a:latin typeface="Times New Roman" panose="02020603050405020304" pitchFamily="18" charset="0"/>
+                <a:cs typeface="Times New Roman" panose="02020603050405020304" pitchFamily="18" charset="0"/>
+              </a:rPr>
+              <a:t>Risinājums </a:t>
+            </a:r>
+            <a:r>
+              <a:rPr lang="en-US" dirty="0">
+                <a:latin typeface="Times New Roman" panose="02020603050405020304" pitchFamily="18" charset="0"/>
+                <a:cs typeface="Times New Roman" panose="02020603050405020304" pitchFamily="18" charset="0"/>
+              </a:rPr>
+              <a:t>OOP API</a:t>
+            </a:r>
+            <a:endParaRPr lang="lv-LV" dirty="0">
+              <a:latin typeface="Times New Roman" panose="02020603050405020304" pitchFamily="18" charset="0"/>
+              <a:cs typeface="Times New Roman" panose="02020603050405020304" pitchFamily="18" charset="0"/>
+            </a:endParaRPr>
+          </a:p>
+        </p:txBody>
+      </p:sp>
+      <p:sp>
+        <p:nvSpPr>
+          <p:cNvPr id="3" name="Satura vietturis 2">
+            <a:extLst>
+              <a:ext uri="{FF2B5EF4-FFF2-40B4-BE49-F238E27FC236}">
+                <a16:creationId xmlns:a16="http://schemas.microsoft.com/office/drawing/2014/main" id="{FBEEF258-DDDB-46A5-A51C-4D22C189350C}"/>
+              </a:ext>
+            </a:extLst>
+          </p:cNvPr>
+          <p:cNvSpPr>
+            <a:spLocks noGrp="1"/>
+          </p:cNvSpPr>
+          <p:nvPr>
+            <p:ph idx="1"/>
+          </p:nvPr>
+        </p:nvSpPr>
+        <p:spPr/>
+        <p:txBody>
+          <a:bodyPr/>
+          <a:lstStyle/>
+          <a:p>
+            <a:r>
+              <a:rPr lang="en-US" dirty="0">
+                <a:latin typeface="Times New Roman" panose="02020603050405020304" pitchFamily="18" charset="0"/>
+                <a:cs typeface="Times New Roman" panose="02020603050405020304" pitchFamily="18" charset="0"/>
+              </a:rPr>
+              <a:t>RAAPI – </a:t>
+            </a:r>
+            <a:r>
+              <a:rPr lang="lv-LV" dirty="0">
+                <a:effectLst/>
+                <a:latin typeface="Times New Roman" panose="02020603050405020304" pitchFamily="18" charset="0"/>
+                <a:ea typeface="Times New Roman" panose="02020603050405020304" pitchFamily="18" charset="0"/>
+                <a:cs typeface="Times New Roman" panose="02020603050405020304" pitchFamily="18" charset="0"/>
+              </a:rPr>
+              <a:t>universāla zema līmeņa saskarne, kas nodrošina piekļuvi tīmekļa atmiņai </a:t>
+            </a:r>
+          </a:p>
+          <a:p>
+            <a:pPr lvl="1"/>
+            <a:r>
+              <a:rPr lang="lv-LV" dirty="0">
+                <a:effectLst/>
+                <a:latin typeface="Times New Roman" panose="02020603050405020304" pitchFamily="18" charset="0"/>
+                <a:ea typeface="Times New Roman" panose="02020603050405020304" pitchFamily="18" charset="0"/>
+                <a:cs typeface="Times New Roman" panose="02020603050405020304" pitchFamily="18" charset="0"/>
+              </a:rPr>
+              <a:t>tīmekļa atmiņa ir </a:t>
+            </a:r>
+            <a:r>
+              <a:rPr lang="en-US" i="1" dirty="0">
+                <a:effectLst/>
+                <a:latin typeface="Times New Roman" panose="02020603050405020304" pitchFamily="18" charset="0"/>
+                <a:ea typeface="Times New Roman" panose="02020603050405020304" pitchFamily="18" charset="0"/>
+                <a:cs typeface="Times New Roman" panose="02020603050405020304" pitchFamily="18" charset="0"/>
+              </a:rPr>
+              <a:t>in-memory</a:t>
+            </a:r>
+            <a:r>
+              <a:rPr lang="en-US" dirty="0">
+                <a:effectLst/>
+                <a:latin typeface="Times New Roman" panose="02020603050405020304" pitchFamily="18" charset="0"/>
+                <a:ea typeface="Times New Roman" panose="02020603050405020304" pitchFamily="18" charset="0"/>
+                <a:cs typeface="Times New Roman" panose="02020603050405020304" pitchFamily="18" charset="0"/>
+              </a:rPr>
+              <a:t> </a:t>
+            </a:r>
+            <a:r>
+              <a:rPr lang="lv-LV" dirty="0">
+                <a:effectLst/>
+                <a:latin typeface="Times New Roman" panose="02020603050405020304" pitchFamily="18" charset="0"/>
+                <a:ea typeface="Times New Roman" panose="02020603050405020304" pitchFamily="18" charset="0"/>
+                <a:cs typeface="Times New Roman" panose="02020603050405020304" pitchFamily="18" charset="0"/>
+              </a:rPr>
+              <a:t>modeļa repozitorijs</a:t>
+            </a:r>
+          </a:p>
+          <a:p>
+            <a:pPr marL="0" indent="0">
+              <a:buNone/>
+            </a:pPr>
+            <a:endParaRPr lang="en-US" dirty="0">
+              <a:latin typeface="Times New Roman" panose="02020603050405020304" pitchFamily="18" charset="0"/>
+              <a:cs typeface="Times New Roman" panose="02020603050405020304" pitchFamily="18" charset="0"/>
+            </a:endParaRPr>
+          </a:p>
+          <a:p>
+            <a:r>
+              <a:rPr lang="lv-LV" dirty="0">
+                <a:latin typeface="Times New Roman" panose="02020603050405020304" pitchFamily="18" charset="0"/>
+                <a:cs typeface="Times New Roman" panose="02020603050405020304" pitchFamily="18" charset="0"/>
+              </a:rPr>
+              <a:t>Pašveidotas datu struktūras </a:t>
+            </a:r>
+            <a:r>
+              <a:rPr lang="en-US" dirty="0">
+                <a:latin typeface="Times New Roman" panose="02020603050405020304" pitchFamily="18" charset="0"/>
+                <a:cs typeface="Times New Roman" panose="02020603050405020304" pitchFamily="18" charset="0"/>
+              </a:rPr>
+              <a:t>RAAPI</a:t>
+            </a:r>
+            <a:r>
+              <a:rPr lang="lv-LV" dirty="0">
+                <a:latin typeface="Times New Roman" panose="02020603050405020304" pitchFamily="18" charset="0"/>
+                <a:cs typeface="Times New Roman" panose="02020603050405020304" pitchFamily="18" charset="0"/>
+              </a:rPr>
+              <a:t> informācijas glabāšanai.</a:t>
+            </a:r>
+          </a:p>
+          <a:p>
+            <a:endParaRPr lang="lv-LV" dirty="0">
+              <a:latin typeface="Times New Roman" panose="02020603050405020304" pitchFamily="18" charset="0"/>
+              <a:cs typeface="Times New Roman" panose="02020603050405020304" pitchFamily="18" charset="0"/>
+            </a:endParaRPr>
+          </a:p>
+          <a:p>
+            <a:r>
+              <a:rPr lang="lv-LV" dirty="0">
+                <a:latin typeface="Times New Roman" panose="02020603050405020304" pitchFamily="18" charset="0"/>
+                <a:cs typeface="Times New Roman" panose="02020603050405020304" pitchFamily="18" charset="0"/>
+              </a:rPr>
+              <a:t>LINQ – datu iegūšanai no </a:t>
+            </a:r>
+            <a:r>
+              <a:rPr lang="en-US" dirty="0">
+                <a:latin typeface="Times New Roman" panose="02020603050405020304" pitchFamily="18" charset="0"/>
+                <a:cs typeface="Times New Roman" panose="02020603050405020304" pitchFamily="18" charset="0"/>
+              </a:rPr>
+              <a:t>RAAPI un </a:t>
+            </a:r>
+            <a:r>
+              <a:rPr lang="lv-LV" dirty="0">
+                <a:latin typeface="Times New Roman" panose="02020603050405020304" pitchFamily="18" charset="0"/>
+                <a:cs typeface="Times New Roman" panose="02020603050405020304" pitchFamily="18" charset="0"/>
+              </a:rPr>
+              <a:t>pārveidošana uz </a:t>
+            </a:r>
+            <a:r>
+              <a:rPr lang="en-US" dirty="0">
+                <a:latin typeface="Times New Roman" panose="02020603050405020304" pitchFamily="18" charset="0"/>
+                <a:cs typeface="Times New Roman" panose="02020603050405020304" pitchFamily="18" charset="0"/>
+              </a:rPr>
+              <a:t>OOP.</a:t>
+            </a:r>
+            <a:endParaRPr lang="lv-LV" dirty="0">
+              <a:latin typeface="Times New Roman" panose="02020603050405020304" pitchFamily="18" charset="0"/>
+              <a:cs typeface="Times New Roman" panose="02020603050405020304" pitchFamily="18" charset="0"/>
+            </a:endParaRPr>
+          </a:p>
+          <a:p>
+            <a:pPr marL="0" indent="0">
+              <a:buNone/>
+            </a:pPr>
+            <a:endParaRPr lang="en-US" dirty="0">
+              <a:latin typeface="Times New Roman" panose="02020603050405020304" pitchFamily="18" charset="0"/>
+              <a:cs typeface="Times New Roman" panose="02020603050405020304" pitchFamily="18" charset="0"/>
+            </a:endParaRPr>
+          </a:p>
+          <a:p>
+            <a:endParaRPr lang="en-US" dirty="0">
+              <a:latin typeface="Times New Roman" panose="02020603050405020304" pitchFamily="18" charset="0"/>
+              <a:cs typeface="Times New Roman" panose="02020603050405020304" pitchFamily="18" charset="0"/>
+            </a:endParaRPr>
+          </a:p>
+          <a:p>
+            <a:endParaRPr lang="en-US" dirty="0">
+              <a:latin typeface="Times New Roman" panose="02020603050405020304" pitchFamily="18" charset="0"/>
+              <a:cs typeface="Times New Roman" panose="02020603050405020304" pitchFamily="18" charset="0"/>
+            </a:endParaRPr>
+          </a:p>
+          <a:p>
+            <a:endParaRPr lang="lv-LV" dirty="0">
+              <a:latin typeface="Times New Roman" panose="02020603050405020304" pitchFamily="18" charset="0"/>
+              <a:cs typeface="Times New Roman" panose="02020603050405020304" pitchFamily="18" charset="0"/>
+            </a:endParaRPr>
+          </a:p>
+          <a:p>
+            <a:endParaRPr lang="lv-LV" dirty="0">
+              <a:latin typeface="Times New Roman" panose="02020603050405020304" pitchFamily="18" charset="0"/>
+              <a:cs typeface="Times New Roman" panose="02020603050405020304" pitchFamily="18" charset="0"/>
+            </a:endParaRPr>
+          </a:p>
+        </p:txBody>
+      </p:sp>
+    </p:spTree>
+    <p:extLst>
+      <p:ext uri="{BB962C8B-B14F-4D97-AF65-F5344CB8AC3E}">
+        <p14:creationId xmlns:p14="http://schemas.microsoft.com/office/powerpoint/2010/main" val="3211450216"/>
+      </p:ext>
+    </p:extLst>
+  </p:cSld>
+  <p:clrMapOvr>
+    <a:masterClrMapping/>
+  </p:clrMapOvr>
+</p:sld>
+</file>
+
+<file path=ppt/slides/slide9.xml><?xml version="1.0" encoding="utf-8"?>
+<p:sld xmlns:a="http://schemas.openxmlformats.org/drawingml/2006/main" xmlns:r="http://schemas.openxmlformats.org/officeDocument/2006/relationships" xmlns:p="http://schemas.openxmlformats.org/presentationml/2006/main">
+  <p:cSld>
+    <p:spTree>
+      <p:nvGrpSpPr>
+        <p:cNvPr id="1" name=""/>
+        <p:cNvGrpSpPr/>
+        <p:nvPr/>
+      </p:nvGrpSpPr>
+      <p:grpSpPr>
+        <a:xfrm>
+          <a:off x="0" y="0"/>
+          <a:ext cx="0" cy="0"/>
+          <a:chOff x="0" y="0"/>
+          <a:chExt cx="0" cy="0"/>
+        </a:xfrm>
+      </p:grpSpPr>
+      <p:sp>
+        <p:nvSpPr>
+          <p:cNvPr id="2" name="Title 1">
+            <a:extLst>
+              <a:ext uri="{FF2B5EF4-FFF2-40B4-BE49-F238E27FC236}">
+                <a16:creationId xmlns:a16="http://schemas.microsoft.com/office/drawing/2014/main" id="{3084D7B8-C85A-4408-9B3D-5718631C23AD}"/>
+              </a:ext>
+            </a:extLst>
+          </p:cNvPr>
+          <p:cNvSpPr>
+            <a:spLocks noGrp="1"/>
+          </p:cNvSpPr>
+          <p:nvPr>
+            <p:ph type="title"/>
+          </p:nvPr>
+        </p:nvSpPr>
+        <p:spPr/>
+        <p:txBody>
+          <a:bodyPr/>
+          <a:lstStyle/>
+          <a:p>
+            <a:r>
+              <a:rPr lang="lv-LV" dirty="0"/>
+              <a:t>OOP API struktūra</a:t>
+            </a:r>
+            <a:endParaRPr lang="en-US" dirty="0"/>
+          </a:p>
+        </p:txBody>
+      </p:sp>
+      <p:pic>
+        <p:nvPicPr>
+          <p:cNvPr id="3" name="Picture 2">
+            <a:extLst>
+              <a:ext uri="{FF2B5EF4-FFF2-40B4-BE49-F238E27FC236}">
+                <a16:creationId xmlns:a16="http://schemas.microsoft.com/office/drawing/2014/main" id="{D64342BD-297C-4EEB-A847-1040C29B8FEE}"/>
+              </a:ext>
+            </a:extLst>
+          </p:cNvPr>
+          <p:cNvPicPr>
+            <a:picLocks noChangeAspect="1" noChangeArrowheads="1"/>
+          </p:cNvPicPr>
+          <p:nvPr/>
+        </p:nvPicPr>
+        <p:blipFill>
+          <a:blip r:embed="rId2">
+            <a:extLst>
+              <a:ext uri="{28A0092B-C50C-407E-A947-70E740481C1C}">
+                <a14:useLocalDpi xmlns:a14="http://schemas.microsoft.com/office/drawing/2010/main" val="0"/>
+              </a:ext>
+            </a:extLst>
+          </a:blip>
+          <a:srcRect/>
+          <a:stretch>
+            <a:fillRect/>
+          </a:stretch>
+        </p:blipFill>
+        <p:spPr bwMode="auto">
+          <a:xfrm>
+            <a:off x="1973350" y="1583393"/>
+            <a:ext cx="8245299" cy="4760964"/>
+          </a:xfrm>
+          <a:prstGeom prst="rect">
+            <a:avLst/>
+          </a:prstGeom>
+          <a:noFill/>
+          <a:extLst>
+            <a:ext uri="{909E8E84-426E-40DD-AFC4-6F175D3DCCD1}">
+              <a14:hiddenFill xmlns:a14="http://schemas.microsoft.com/office/drawing/2010/main">
+                <a:solidFill>
+                  <a:srgbClr val="FFFFFF"/>
+                </a:solidFill>
+              </a14:hiddenFill>
+            </a:ext>
+          </a:extLst>
+        </p:spPr>
+      </p:pic>
+    </p:spTree>
+    <p:extLst>
+      <p:ext uri="{BB962C8B-B14F-4D97-AF65-F5344CB8AC3E}">
+        <p14:creationId xmlns:p14="http://schemas.microsoft.com/office/powerpoint/2010/main" val="3215289046"/>
       </p:ext>
     </p:extLst>
   </p:cSld>
@@ -4382,4 +6379,299 @@
     </a:ext>
   </a:extLst>
 </a:theme>
+</file>
+
+<file path=ppt/theme/theme2.xml><?xml version="1.0" encoding="utf-8"?>
+<a:theme xmlns:a="http://schemas.openxmlformats.org/drawingml/2006/main" name="Office Theme">
+  <a:themeElements>
+    <a:clrScheme name="Office">
+      <a:dk1>
+        <a:sysClr val="windowText" lastClr="000000"/>
+      </a:dk1>
+      <a:lt1>
+        <a:sysClr val="window" lastClr="FFFFFF"/>
+      </a:lt1>
+      <a:dk2>
+        <a:srgbClr val="44546A"/>
+      </a:dk2>
+      <a:lt2>
+        <a:srgbClr val="E7E6E6"/>
+      </a:lt2>
+      <a:accent1>
+        <a:srgbClr val="4472C4"/>
+      </a:accent1>
+      <a:accent2>
+        <a:srgbClr val="ED7D31"/>
+      </a:accent2>
+      <a:accent3>
+        <a:srgbClr val="A5A5A5"/>
+      </a:accent3>
+      <a:accent4>
+        <a:srgbClr val="FFC000"/>
+      </a:accent4>
+      <a:accent5>
+        <a:srgbClr val="5B9BD5"/>
+      </a:accent5>
+      <a:accent6>
+        <a:srgbClr val="70AD47"/>
+      </a:accent6>
+      <a:hlink>
+        <a:srgbClr val="0563C1"/>
+      </a:hlink>
+      <a:folHlink>
+        <a:srgbClr val="954F72"/>
+      </a:folHlink>
+    </a:clrScheme>
+    <a:fontScheme name="Office">
+      <a:majorFont>
+        <a:latin typeface="Calibri Light" panose="020F0302020204030204"/>
+        <a:ea typeface=""/>
+        <a:cs typeface=""/>
+        <a:font script="Jpan" typeface="游ゴシック Light"/>
+        <a:font script="Hang" typeface="맑은 고딕"/>
+        <a:font script="Hans" typeface="等线 Light"/>
+        <a:font script="Hant" typeface="新細明體"/>
+        <a:font script="Arab" typeface="Times New Roman"/>
+        <a:font script="Hebr" typeface="Times New Roman"/>
+        <a:font script="Thai" typeface="Angsana New"/>
+        <a:font script="Ethi" typeface="Nyala"/>
+        <a:font script="Beng" typeface="Vrinda"/>
+        <a:font script="Gujr" typeface="Shruti"/>
+        <a:font script="Khmr" typeface="MoolBoran"/>
+        <a:font script="Knda" typeface="Tunga"/>
+        <a:font script="Guru" typeface="Raavi"/>
+        <a:font script="Cans" typeface="Euphemia"/>
+        <a:font script="Cher" typeface="Plantagenet Cherokee"/>
+        <a:font script="Yiii" typeface="Microsoft Yi Baiti"/>
+        <a:font script="Tibt" typeface="Microsoft Himalaya"/>
+        <a:font script="Thaa" typeface="MV Boli"/>
+        <a:font script="Deva" typeface="Mangal"/>
+        <a:font script="Telu" typeface="Gautami"/>
+        <a:font script="Taml" typeface="Latha"/>
+        <a:font script="Syrc" typeface="Estrangelo Edessa"/>
+        <a:font script="Orya" typeface="Kalinga"/>
+        <a:font script="Mlym" typeface="Kartika"/>
+        <a:font script="Laoo" typeface="DokChampa"/>
+        <a:font script="Sinh" typeface="Iskoola Pota"/>
+        <a:font script="Mong" typeface="Mongolian Baiti"/>
+        <a:font script="Viet" typeface="Times New Roman"/>
+        <a:font script="Uigh" typeface="Microsoft Uighur"/>
+        <a:font script="Geor" typeface="Sylfaen"/>
+        <a:font script="Armn" typeface="Arial"/>
+        <a:font script="Bugi" typeface="Leelawadee UI"/>
+        <a:font script="Bopo" typeface="Microsoft JhengHei"/>
+        <a:font script="Java" typeface="Javanese Text"/>
+        <a:font script="Lisu" typeface="Segoe UI"/>
+        <a:font script="Mymr" typeface="Myanmar Text"/>
+        <a:font script="Nkoo" typeface="Ebrima"/>
+        <a:font script="Olck" typeface="Nirmala UI"/>
+        <a:font script="Osma" typeface="Ebrima"/>
+        <a:font script="Phag" typeface="Phagspa"/>
+        <a:font script="Syrn" typeface="Estrangelo Edessa"/>
+        <a:font script="Syrj" typeface="Estrangelo Edessa"/>
+        <a:font script="Syre" typeface="Estrangelo Edessa"/>
+        <a:font script="Sora" typeface="Nirmala UI"/>
+        <a:font script="Tale" typeface="Microsoft Tai Le"/>
+        <a:font script="Talu" typeface="Microsoft New Tai Lue"/>
+        <a:font script="Tfng" typeface="Ebrima"/>
+      </a:majorFont>
+      <a:minorFont>
+        <a:latin typeface="Calibri" panose="020F0502020204030204"/>
+        <a:ea typeface=""/>
+        <a:cs typeface=""/>
+        <a:font script="Jpan" typeface="游ゴシック"/>
+        <a:font script="Hang" typeface="맑은 고딕"/>
+        <a:font script="Hans" typeface="等线"/>
+        <a:font script="Hant" typeface="新細明體"/>
+        <a:font script="Arab" typeface="Arial"/>
+        <a:font script="Hebr" typeface="Arial"/>
+        <a:font script="Thai" typeface="Cordia New"/>
+        <a:font script="Ethi" typeface="Nyala"/>
+        <a:font script="Beng" typeface="Vrinda"/>
+        <a:font script="Gujr" typeface="Shruti"/>
+        <a:font script="Khmr" typeface="DaunPenh"/>
+        <a:font script="Knda" typeface="Tunga"/>
+        <a:font script="Guru" typeface="Raavi"/>
+        <a:font script="Cans" typeface="Euphemia"/>
+        <a:font script="Cher" typeface="Plantagenet Cherokee"/>
+        <a:font script="Yiii" typeface="Microsoft Yi Baiti"/>
+        <a:font script="Tibt" typeface="Microsoft Himalaya"/>
+        <a:font script="Thaa" typeface="MV Boli"/>
+        <a:font script="Deva" typeface="Mangal"/>
+        <a:font script="Telu" typeface="Gautami"/>
+        <a:font script="Taml" typeface="Latha"/>
+        <a:font script="Syrc" typeface="Estrangelo Edessa"/>
+        <a:font script="Orya" typeface="Kalinga"/>
+        <a:font script="Mlym" typeface="Kartika"/>
+        <a:font script="Laoo" typeface="DokChampa"/>
+        <a:font script="Sinh" typeface="Iskoola Pota"/>
+        <a:font script="Mong" typeface="Mongolian Baiti"/>
+        <a:font script="Viet" typeface="Arial"/>
+        <a:font script="Uigh" typeface="Microsoft Uighur"/>
+        <a:font script="Geor" typeface="Sylfaen"/>
+        <a:font script="Armn" typeface="Arial"/>
+        <a:font script="Bugi" typeface="Leelawadee UI"/>
+        <a:font script="Bopo" typeface="Microsoft JhengHei"/>
+        <a:font script="Java" typeface="Javanese Text"/>
+        <a:font script="Lisu" typeface="Segoe UI"/>
+        <a:font script="Mymr" typeface="Myanmar Text"/>
+        <a:font script="Nkoo" typeface="Ebrima"/>
+        <a:font script="Olck" typeface="Nirmala UI"/>
+        <a:font script="Osma" typeface="Ebrima"/>
+        <a:font script="Phag" typeface="Phagspa"/>
+        <a:font script="Syrn" typeface="Estrangelo Edessa"/>
+        <a:font script="Syrj" typeface="Estrangelo Edessa"/>
+        <a:font script="Syre" typeface="Estrangelo Edessa"/>
+        <a:font script="Sora" typeface="Nirmala UI"/>
+        <a:font script="Tale" typeface="Microsoft Tai Le"/>
+        <a:font script="Talu" typeface="Microsoft New Tai Lue"/>
+        <a:font script="Tfng" typeface="Ebrima"/>
+      </a:minorFont>
+    </a:fontScheme>
+    <a:fmtScheme name="Office">
+      <a:fillStyleLst>
+        <a:solidFill>
+          <a:schemeClr val="phClr"/>
+        </a:solidFill>
+        <a:gradFill rotWithShape="1">
+          <a:gsLst>
+            <a:gs pos="0">
+              <a:schemeClr val="phClr">
+                <a:lumMod val="110000"/>
+                <a:satMod val="105000"/>
+                <a:tint val="67000"/>
+              </a:schemeClr>
+            </a:gs>
+            <a:gs pos="50000">
+              <a:schemeClr val="phClr">
+                <a:lumMod val="105000"/>
+                <a:satMod val="103000"/>
+                <a:tint val="73000"/>
+              </a:schemeClr>
+            </a:gs>
+            <a:gs pos="100000">
+              <a:schemeClr val="phClr">
+                <a:lumMod val="105000"/>
+                <a:satMod val="109000"/>
+                <a:tint val="81000"/>
+              </a:schemeClr>
+            </a:gs>
+          </a:gsLst>
+          <a:lin ang="5400000" scaled="0"/>
+        </a:gradFill>
+        <a:gradFill rotWithShape="1">
+          <a:gsLst>
+            <a:gs pos="0">
+              <a:schemeClr val="phClr">
+                <a:satMod val="103000"/>
+                <a:lumMod val="102000"/>
+                <a:tint val="94000"/>
+              </a:schemeClr>
+            </a:gs>
+            <a:gs pos="50000">
+              <a:schemeClr val="phClr">
+                <a:satMod val="110000"/>
+                <a:lumMod val="100000"/>
+                <a:shade val="100000"/>
+              </a:schemeClr>
+            </a:gs>
+            <a:gs pos="100000">
+              <a:schemeClr val="phClr">
+                <a:lumMod val="99000"/>
+                <a:satMod val="120000"/>
+                <a:shade val="78000"/>
+              </a:schemeClr>
+            </a:gs>
+          </a:gsLst>
+          <a:lin ang="5400000" scaled="0"/>
+        </a:gradFill>
+      </a:fillStyleLst>
+      <a:lnStyleLst>
+        <a:ln w="6350" cap="flat" cmpd="sng" algn="ctr">
+          <a:solidFill>
+            <a:schemeClr val="phClr"/>
+          </a:solidFill>
+          <a:prstDash val="solid"/>
+          <a:miter lim="800000"/>
+        </a:ln>
+        <a:ln w="12700" cap="flat" cmpd="sng" algn="ctr">
+          <a:solidFill>
+            <a:schemeClr val="phClr"/>
+          </a:solidFill>
+          <a:prstDash val="solid"/>
+          <a:miter lim="800000"/>
+        </a:ln>
+        <a:ln w="19050" cap="flat" cmpd="sng" algn="ctr">
+          <a:solidFill>
+            <a:schemeClr val="phClr"/>
+          </a:solidFill>
+          <a:prstDash val="solid"/>
+          <a:miter lim="800000"/>
+        </a:ln>
+      </a:lnStyleLst>
+      <a:effectStyleLst>
+        <a:effectStyle>
+          <a:effectLst/>
+        </a:effectStyle>
+        <a:effectStyle>
+          <a:effectLst/>
+        </a:effectStyle>
+        <a:effectStyle>
+          <a:effectLst>
+            <a:outerShdw blurRad="57150" dist="19050" dir="5400000" algn="ctr" rotWithShape="0">
+              <a:srgbClr val="000000">
+                <a:alpha val="63000"/>
+              </a:srgbClr>
+            </a:outerShdw>
+          </a:effectLst>
+        </a:effectStyle>
+      </a:effectStyleLst>
+      <a:bgFillStyleLst>
+        <a:solidFill>
+          <a:schemeClr val="phClr"/>
+        </a:solidFill>
+        <a:solidFill>
+          <a:schemeClr val="phClr">
+            <a:tint val="95000"/>
+            <a:satMod val="170000"/>
+          </a:schemeClr>
+        </a:solidFill>
+        <a:gradFill rotWithShape="1">
+          <a:gsLst>
+            <a:gs pos="0">
+              <a:schemeClr val="phClr">
+                <a:tint val="93000"/>
+                <a:satMod val="150000"/>
+                <a:shade val="98000"/>
+                <a:lumMod val="102000"/>
+              </a:schemeClr>
+            </a:gs>
+            <a:gs pos="50000">
+              <a:schemeClr val="phClr">
+                <a:tint val="98000"/>
+                <a:satMod val="130000"/>
+                <a:shade val="90000"/>
+                <a:lumMod val="103000"/>
+              </a:schemeClr>
+            </a:gs>
+            <a:gs pos="100000">
+              <a:schemeClr val="phClr">
+                <a:shade val="63000"/>
+                <a:satMod val="120000"/>
+              </a:schemeClr>
+            </a:gs>
+          </a:gsLst>
+          <a:lin ang="5400000" scaled="0"/>
+        </a:gradFill>
+      </a:bgFillStyleLst>
+    </a:fmtScheme>
+  </a:themeElements>
+  <a:objectDefaults/>
+  <a:extraClrSchemeLst/>
+  <a:extLst>
+    <a:ext uri="{05A4C25C-085E-4340-85A3-A5531E510DB2}">
+      <thm15:themeFamily xmlns:thm15="http://schemas.microsoft.com/office/thememl/2012/main" name="Office Theme" id="{62F939B6-93AF-4DB8-9C6B-D6C7DFDC589F}" vid="{4A3C46E8-61CC-4603-A589-7422A47A8E4A}"/>
+    </a:ext>
+  </a:extLst>
+</a:theme>
 </file>
--- a/src/Qualification project/Documentation/Prezentācija_ap19122.pptx
+++ b/src/Qualification project/Documentation/Prezentācija_ap19122.pptx
@@ -207,7 +207,7 @@
           <a:p>
             <a:fld id="{5AC99237-AE81-4502-832C-F0EC8127E7A0}" type="datetimeFigureOut">
               <a:rPr lang="en-US" smtClean="0"/>
-              <a:t>1/17/2022</a:t>
+              <a:t>1/20/2022</a:t>
             </a:fld>
             <a:endParaRPr lang="en-US"/>
           </a:p>
@@ -759,215 +759,7 @@
               <a:tabLst/>
               <a:defRPr/>
             </a:pPr>
-            <a:r>
-              <a:rPr lang="en-US" dirty="0" err="1"/>
-              <a:t>Pirmā</a:t>
-            </a:r>
-            <a:r>
-              <a:rPr lang="en-US" dirty="0"/>
-              <a:t> .NET </a:t>
-            </a:r>
-            <a:r>
-              <a:rPr lang="en-US" dirty="0" err="1"/>
-              <a:t>versija</a:t>
-            </a:r>
-            <a:r>
-              <a:rPr lang="en-US" dirty="0"/>
-              <a:t>, kas </a:t>
-            </a:r>
-            <a:r>
-              <a:rPr lang="en-US" dirty="0" err="1"/>
-              <a:t>atbalsta</a:t>
-            </a:r>
-            <a:r>
-              <a:rPr lang="en-US" dirty="0"/>
-              <a:t> </a:t>
-            </a:r>
-            <a:r>
-              <a:rPr lang="en-US" dirty="0" err="1"/>
-              <a:t>vairākas</a:t>
-            </a:r>
-            <a:r>
-              <a:rPr lang="en-US" dirty="0"/>
-              <a:t> </a:t>
-            </a:r>
-            <a:r>
-              <a:rPr lang="en-US" dirty="0" err="1"/>
-              <a:t>platformas</a:t>
-            </a:r>
-            <a:r>
-              <a:rPr lang="en-US" dirty="0"/>
-              <a:t> (</a:t>
-            </a:r>
-            <a:r>
-              <a:rPr lang="en-US" dirty="0" err="1"/>
-              <a:t>Platformas</a:t>
-            </a:r>
-            <a:r>
-              <a:rPr lang="en-US" dirty="0"/>
-              <a:t> = OS + </a:t>
-            </a:r>
-            <a:r>
-              <a:rPr lang="en-US" dirty="0" err="1"/>
-              <a:t>Procesora</a:t>
-            </a:r>
-            <a:r>
-              <a:rPr lang="en-US" dirty="0"/>
-              <a:t> tips)</a:t>
-            </a:r>
             <a:endParaRPr lang="lv-LV" dirty="0"/>
-          </a:p>
-          <a:p>
-            <a:endParaRPr lang="en-US" dirty="0"/>
-          </a:p>
-          <a:p>
-            <a:pPr marL="0" marR="0" lvl="0" indent="0" algn="l" defTabSz="914400" rtl="0" eaLnBrk="1" fontAlgn="auto" latinLnBrk="0" hangingPunct="1">
-              <a:lnSpc>
-                <a:spcPct val="100000"/>
-              </a:lnSpc>
-              <a:spcBef>
-                <a:spcPts val="0"/>
-              </a:spcBef>
-              <a:spcAft>
-                <a:spcPts val="0"/>
-              </a:spcAft>
-              <a:buClrTx/>
-              <a:buSzTx/>
-              <a:buFontTx/>
-              <a:buNone/>
-              <a:tabLst/>
-              <a:defRPr/>
-            </a:pPr>
-            <a:r>
-              <a:rPr lang="lv-LV" dirty="0"/>
-              <a:t>Atbalsts vairākās populāras programmēšanas valodās (C#, PHP, </a:t>
-            </a:r>
-            <a:r>
-              <a:rPr lang="lv-LV" dirty="0" err="1"/>
-              <a:t>JavaScript</a:t>
-            </a:r>
-            <a:r>
-              <a:rPr lang="lv-LV" dirty="0"/>
-              <a:t>, </a:t>
-            </a:r>
-            <a:r>
-              <a:rPr lang="lv-LV" dirty="0" err="1"/>
-              <a:t>Python</a:t>
-            </a:r>
-            <a:r>
-              <a:rPr lang="lv-LV" dirty="0"/>
-              <a:t>, Java, C++, </a:t>
-            </a:r>
-            <a:r>
-              <a:rPr lang="lv-LV" dirty="0" err="1"/>
-              <a:t>Swift</a:t>
-            </a:r>
-            <a:r>
-              <a:rPr lang="lv-LV" dirty="0"/>
-              <a:t>, </a:t>
-            </a:r>
-            <a:r>
-              <a:rPr lang="lv-LV" dirty="0" err="1"/>
-              <a:t>Go</a:t>
-            </a:r>
-            <a:r>
-              <a:rPr lang="lv-LV" dirty="0"/>
-              <a:t>)</a:t>
-            </a:r>
-          </a:p>
-          <a:p>
-            <a:endParaRPr lang="en-US" dirty="0"/>
-          </a:p>
-          <a:p>
-            <a:pPr marL="0" marR="0" lvl="0" indent="0" algn="l" defTabSz="914400" rtl="0" eaLnBrk="1" fontAlgn="auto" latinLnBrk="0" hangingPunct="1">
-              <a:lnSpc>
-                <a:spcPct val="100000"/>
-              </a:lnSpc>
-              <a:spcBef>
-                <a:spcPts val="0"/>
-              </a:spcBef>
-              <a:spcAft>
-                <a:spcPts val="0"/>
-              </a:spcAft>
-              <a:buClrTx/>
-              <a:buSzTx/>
-              <a:buFontTx/>
-              <a:buNone/>
-              <a:tabLst/>
-              <a:defRPr/>
-            </a:pPr>
-            <a:r>
-              <a:rPr lang="lv-LV" dirty="0"/>
-              <a:t>Iegūtie dati no jaunkoda tiks izmantoti, lai ģenerētu </a:t>
-            </a:r>
-            <a:r>
-              <a:rPr lang="lv-LV" dirty="0" err="1"/>
-              <a:t>starpkodu</a:t>
-            </a:r>
-            <a:r>
-              <a:rPr lang="lv-LV" dirty="0"/>
-              <a:t>.</a:t>
-            </a:r>
-            <a:endParaRPr lang="en-US" dirty="0"/>
-          </a:p>
-          <a:p>
-            <a:pPr marL="0" marR="0" lvl="0" indent="0" algn="l" defTabSz="914400" rtl="0" eaLnBrk="1" fontAlgn="auto" latinLnBrk="0" hangingPunct="1">
-              <a:lnSpc>
-                <a:spcPct val="100000"/>
-              </a:lnSpc>
-              <a:spcBef>
-                <a:spcPts val="0"/>
-              </a:spcBef>
-              <a:spcAft>
-                <a:spcPts val="0"/>
-              </a:spcAft>
-              <a:buClrTx/>
-              <a:buSzTx/>
-              <a:buFontTx/>
-              <a:buNone/>
-              <a:tabLst/>
-              <a:defRPr/>
-            </a:pPr>
-            <a:endParaRPr lang="en-US" dirty="0"/>
-          </a:p>
-          <a:p>
-            <a:pPr marL="0" marR="0" lvl="0" indent="0" algn="l" defTabSz="914400" rtl="0" eaLnBrk="1" fontAlgn="auto" latinLnBrk="0" hangingPunct="1">
-              <a:lnSpc>
-                <a:spcPct val="100000"/>
-              </a:lnSpc>
-              <a:spcBef>
-                <a:spcPts val="0"/>
-              </a:spcBef>
-              <a:spcAft>
-                <a:spcPts val="0"/>
-              </a:spcAft>
-              <a:buClrTx/>
-              <a:buSzTx/>
-              <a:buFontTx/>
-              <a:buNone/>
-              <a:tabLst/>
-              <a:defRPr/>
-            </a:pPr>
-            <a:r>
-              <a:rPr lang="lv-LV" dirty="0"/>
-              <a:t>Var gadīties, ka būs vairākas klases ar vairākiem atribūtiem un metodēm, un, rakstot visu vienā failā, </a:t>
-            </a:r>
-            <a:r>
-              <a:rPr lang="lv-LV" dirty="0" err="1"/>
-              <a:t>starpkods</a:t>
-            </a:r>
-            <a:r>
-              <a:rPr lang="lv-LV" dirty="0"/>
-              <a:t> nav lasāms. </a:t>
-            </a:r>
-            <a:r>
-              <a:rPr lang="en-US" dirty="0"/>
-              <a:t>OOP</a:t>
-            </a:r>
-            <a:r>
-              <a:rPr lang="lv-LV" dirty="0"/>
-              <a:t> principi.</a:t>
-            </a:r>
           </a:p>
         </p:txBody>
       </p:sp>
@@ -1238,7 +1030,7 @@
           <a:p>
             <a:fld id="{BB9B4B36-5B9D-4BF6-87CD-36BE6F6FDA4C}" type="datetimeFigureOut">
               <a:rPr lang="lv-LV" smtClean="0"/>
-              <a:t>17.01.2022</a:t>
+              <a:t>20.01.2022</a:t>
             </a:fld>
             <a:endParaRPr lang="lv-LV"/>
           </a:p>
@@ -1436,7 +1228,7 @@
           <a:p>
             <a:fld id="{BB9B4B36-5B9D-4BF6-87CD-36BE6F6FDA4C}" type="datetimeFigureOut">
               <a:rPr lang="lv-LV" smtClean="0"/>
-              <a:t>17.01.2022</a:t>
+              <a:t>20.01.2022</a:t>
             </a:fld>
             <a:endParaRPr lang="lv-LV"/>
           </a:p>
@@ -1644,7 +1436,7 @@
           <a:p>
             <a:fld id="{BB9B4B36-5B9D-4BF6-87CD-36BE6F6FDA4C}" type="datetimeFigureOut">
               <a:rPr lang="lv-LV" smtClean="0"/>
-              <a:t>17.01.2022</a:t>
+              <a:t>20.01.2022</a:t>
             </a:fld>
             <a:endParaRPr lang="lv-LV"/>
           </a:p>
@@ -1842,7 +1634,7 @@
           <a:p>
             <a:fld id="{BB9B4B36-5B9D-4BF6-87CD-36BE6F6FDA4C}" type="datetimeFigureOut">
               <a:rPr lang="lv-LV" smtClean="0"/>
-              <a:t>17.01.2022</a:t>
+              <a:t>20.01.2022</a:t>
             </a:fld>
             <a:endParaRPr lang="lv-LV"/>
           </a:p>
@@ -2117,7 +1909,7 @@
           <a:p>
             <a:fld id="{BB9B4B36-5B9D-4BF6-87CD-36BE6F6FDA4C}" type="datetimeFigureOut">
               <a:rPr lang="lv-LV" smtClean="0"/>
-              <a:t>17.01.2022</a:t>
+              <a:t>20.01.2022</a:t>
             </a:fld>
             <a:endParaRPr lang="lv-LV"/>
           </a:p>
@@ -2382,7 +2174,7 @@
           <a:p>
             <a:fld id="{BB9B4B36-5B9D-4BF6-87CD-36BE6F6FDA4C}" type="datetimeFigureOut">
               <a:rPr lang="lv-LV" smtClean="0"/>
-              <a:t>17.01.2022</a:t>
+              <a:t>20.01.2022</a:t>
             </a:fld>
             <a:endParaRPr lang="lv-LV"/>
           </a:p>
@@ -2794,7 +2586,7 @@
           <a:p>
             <a:fld id="{BB9B4B36-5B9D-4BF6-87CD-36BE6F6FDA4C}" type="datetimeFigureOut">
               <a:rPr lang="lv-LV" smtClean="0"/>
-              <a:t>17.01.2022</a:t>
+              <a:t>20.01.2022</a:t>
             </a:fld>
             <a:endParaRPr lang="lv-LV"/>
           </a:p>
@@ -2935,7 +2727,7 @@
           <a:p>
             <a:fld id="{BB9B4B36-5B9D-4BF6-87CD-36BE6F6FDA4C}" type="datetimeFigureOut">
               <a:rPr lang="lv-LV" smtClean="0"/>
-              <a:t>17.01.2022</a:t>
+              <a:t>20.01.2022</a:t>
             </a:fld>
             <a:endParaRPr lang="lv-LV"/>
           </a:p>
@@ -3048,7 +2840,7 @@
           <a:p>
             <a:fld id="{BB9B4B36-5B9D-4BF6-87CD-36BE6F6FDA4C}" type="datetimeFigureOut">
               <a:rPr lang="lv-LV" smtClean="0"/>
-              <a:t>17.01.2022</a:t>
+              <a:t>20.01.2022</a:t>
             </a:fld>
             <a:endParaRPr lang="lv-LV"/>
           </a:p>
@@ -3359,7 +3151,7 @@
           <a:p>
             <a:fld id="{BB9B4B36-5B9D-4BF6-87CD-36BE6F6FDA4C}" type="datetimeFigureOut">
               <a:rPr lang="lv-LV" smtClean="0"/>
-              <a:t>17.01.2022</a:t>
+              <a:t>20.01.2022</a:t>
             </a:fld>
             <a:endParaRPr lang="lv-LV"/>
           </a:p>
@@ -3647,7 +3439,7 @@
           <a:p>
             <a:fld id="{BB9B4B36-5B9D-4BF6-87CD-36BE6F6FDA4C}" type="datetimeFigureOut">
               <a:rPr lang="lv-LV" smtClean="0"/>
-              <a:t>17.01.2022</a:t>
+              <a:t>20.01.2022</a:t>
             </a:fld>
             <a:endParaRPr lang="lv-LV"/>
           </a:p>
@@ -3888,7 +3680,7 @@
           <a:p>
             <a:fld id="{BB9B4B36-5B9D-4BF6-87CD-36BE6F6FDA4C}" type="datetimeFigureOut">
               <a:rPr lang="lv-LV" smtClean="0"/>
-              <a:t>17.01.2022</a:t>
+              <a:t>20.01.2022</a:t>
             </a:fld>
             <a:endParaRPr lang="lv-LV"/>
           </a:p>
@@ -4474,94 +4266,197 @@
           <a:lstStyle/>
           <a:p>
             <a:r>
-              <a:rPr lang="lv-LV" dirty="0">
-                <a:latin typeface="Times New Roman" panose="02020603050405020304" pitchFamily="18" charset="0"/>
-                <a:cs typeface="Times New Roman" panose="02020603050405020304" pitchFamily="18" charset="0"/>
-              </a:rPr>
-              <a:t>Refleksija – veids, kā dinamiski piekļūt .NET klasēm, atribūtiem un metodēm. Izmantojam funkciju izsaukšanai.</a:t>
-            </a:r>
-          </a:p>
-          <a:p>
-            <a:pPr lvl="1"/>
-            <a:r>
-              <a:rPr lang="lv-LV" dirty="0">
-                <a:latin typeface="Times New Roman" panose="02020603050405020304" pitchFamily="18" charset="0"/>
-                <a:cs typeface="Times New Roman" panose="02020603050405020304" pitchFamily="18" charset="0"/>
-              </a:rPr>
-              <a:t>Katrai funkcijai ir URL</a:t>
-            </a:r>
-          </a:p>
-          <a:p>
-            <a:pPr lvl="2"/>
-            <a:r>
-              <a:rPr lang="lv-LV" dirty="0">
-                <a:latin typeface="Times New Roman" panose="02020603050405020304" pitchFamily="18" charset="0"/>
-                <a:cs typeface="Times New Roman" panose="02020603050405020304" pitchFamily="18" charset="0"/>
-              </a:rPr>
-              <a:t>Formāts: </a:t>
-            </a:r>
-            <a:r>
-              <a:rPr lang="lv-LV" i="1" dirty="0" err="1">
-                <a:latin typeface="Times New Roman" panose="02020603050405020304" pitchFamily="18" charset="0"/>
-                <a:cs typeface="Times New Roman" panose="02020603050405020304" pitchFamily="18" charset="0"/>
-              </a:rPr>
-              <a:t>protokols:lokācija:ceļš</a:t>
-            </a:r>
-            <a:r>
-              <a:rPr lang="lv-LV" i="1" dirty="0">
+              <a:rPr lang="en-US" dirty="0" err="1">
+                <a:latin typeface="Times New Roman" panose="02020603050405020304" pitchFamily="18" charset="0"/>
+                <a:cs typeface="Times New Roman" panose="02020603050405020304" pitchFamily="18" charset="0"/>
+              </a:rPr>
+              <a:t>Tālvadības</a:t>
+            </a:r>
+            <a:r>
+              <a:rPr lang="en-US" dirty="0">
+                <a:latin typeface="Times New Roman" panose="02020603050405020304" pitchFamily="18" charset="0"/>
+                <a:cs typeface="Times New Roman" panose="02020603050405020304" pitchFamily="18" charset="0"/>
+              </a:rPr>
+              <a:t> (Remote) </a:t>
+            </a:r>
+            <a:r>
+              <a:rPr lang="en-US" dirty="0" err="1">
+                <a:latin typeface="Times New Roman" panose="02020603050405020304" pitchFamily="18" charset="0"/>
+                <a:cs typeface="Times New Roman" panose="02020603050405020304" pitchFamily="18" charset="0"/>
+              </a:rPr>
+              <a:t>funkcijām</a:t>
+            </a:r>
+            <a:r>
+              <a:rPr lang="en-US" dirty="0">
                 <a:latin typeface="Times New Roman" panose="02020603050405020304" pitchFamily="18" charset="0"/>
                 <a:cs typeface="Times New Roman" panose="02020603050405020304" pitchFamily="18" charset="0"/>
               </a:rPr>
               <a:t> </a:t>
             </a:r>
             <a:r>
-              <a:rPr lang="lv-LV" dirty="0">
-                <a:latin typeface="Times New Roman" panose="02020603050405020304" pitchFamily="18" charset="0"/>
-                <a:cs typeface="Times New Roman" panose="02020603050405020304" pitchFamily="18" charset="0"/>
-              </a:rPr>
-              <a:t>(šobrīd protokols – </a:t>
-            </a:r>
-            <a:r>
-              <a:rPr lang="lv-LV" i="1" dirty="0" err="1">
-                <a:latin typeface="Times New Roman" panose="02020603050405020304" pitchFamily="18" charset="0"/>
-                <a:cs typeface="Times New Roman" panose="02020603050405020304" pitchFamily="18" charset="0"/>
-              </a:rPr>
-              <a:t>dotnet</a:t>
-            </a:r>
-            <a:r>
-              <a:rPr lang="lv-LV" dirty="0">
-                <a:latin typeface="Times New Roman" panose="02020603050405020304" pitchFamily="18" charset="0"/>
-                <a:cs typeface="Times New Roman" panose="02020603050405020304" pitchFamily="18" charset="0"/>
-              </a:rPr>
-              <a:t>, lokācija - </a:t>
-            </a:r>
-            <a:r>
-              <a:rPr lang="lv-LV" i="1" dirty="0" err="1">
-                <a:latin typeface="Times New Roman" panose="02020603050405020304" pitchFamily="18" charset="0"/>
-                <a:cs typeface="Times New Roman" panose="02020603050405020304" pitchFamily="18" charset="0"/>
-              </a:rPr>
-              <a:t>local</a:t>
-            </a:r>
-            <a:r>
-              <a:rPr lang="lv-LV" dirty="0">
-                <a:latin typeface="Times New Roman" panose="02020603050405020304" pitchFamily="18" charset="0"/>
-                <a:cs typeface="Times New Roman" panose="02020603050405020304" pitchFamily="18" charset="0"/>
-              </a:rPr>
-              <a:t>)</a:t>
-            </a:r>
-            <a:endParaRPr lang="lv-LV" i="1" dirty="0">
+              <a:rPr lang="en-US" dirty="0" err="1">
+                <a:latin typeface="Times New Roman" panose="02020603050405020304" pitchFamily="18" charset="0"/>
+                <a:cs typeface="Times New Roman" panose="02020603050405020304" pitchFamily="18" charset="0"/>
+              </a:rPr>
+              <a:t>jau</a:t>
+            </a:r>
+            <a:r>
+              <a:rPr lang="en-US" dirty="0">
+                <a:latin typeface="Times New Roman" panose="02020603050405020304" pitchFamily="18" charset="0"/>
+                <a:cs typeface="Times New Roman" panose="02020603050405020304" pitchFamily="18" charset="0"/>
+              </a:rPr>
+              <a:t> </a:t>
+            </a:r>
+            <a:r>
+              <a:rPr lang="en-US" dirty="0" err="1">
+                <a:latin typeface="Times New Roman" panose="02020603050405020304" pitchFamily="18" charset="0"/>
+                <a:cs typeface="Times New Roman" panose="02020603050405020304" pitchFamily="18" charset="0"/>
+              </a:rPr>
+              <a:t>ir</a:t>
+            </a:r>
+            <a:r>
+              <a:rPr lang="en-US" dirty="0">
+                <a:latin typeface="Times New Roman" panose="02020603050405020304" pitchFamily="18" charset="0"/>
+                <a:cs typeface="Times New Roman" panose="02020603050405020304" pitchFamily="18" charset="0"/>
+              </a:rPr>
+              <a:t> </a:t>
+            </a:r>
+            <a:r>
+              <a:rPr lang="en-US" dirty="0" err="1">
+                <a:latin typeface="Times New Roman" panose="02020603050405020304" pitchFamily="18" charset="0"/>
+                <a:cs typeface="Times New Roman" panose="02020603050405020304" pitchFamily="18" charset="0"/>
+              </a:rPr>
+              <a:t>iebūvētas</a:t>
+            </a:r>
+            <a:r>
+              <a:rPr lang="en-US" dirty="0">
+                <a:latin typeface="Times New Roman" panose="02020603050405020304" pitchFamily="18" charset="0"/>
+                <a:cs typeface="Times New Roman" panose="02020603050405020304" pitchFamily="18" charset="0"/>
+              </a:rPr>
+              <a:t> </a:t>
+            </a:r>
+            <a:r>
+              <a:rPr lang="en-US" dirty="0" err="1">
+                <a:latin typeface="Times New Roman" panose="02020603050405020304" pitchFamily="18" charset="0"/>
+                <a:cs typeface="Times New Roman" panose="02020603050405020304" pitchFamily="18" charset="0"/>
+              </a:rPr>
+              <a:t>funkcijas</a:t>
+            </a:r>
+            <a:r>
+              <a:rPr lang="en-US" dirty="0">
+                <a:latin typeface="Times New Roman" panose="02020603050405020304" pitchFamily="18" charset="0"/>
+                <a:cs typeface="Times New Roman" panose="02020603050405020304" pitchFamily="18" charset="0"/>
+              </a:rPr>
+              <a:t>.</a:t>
+            </a:r>
+          </a:p>
+          <a:p>
+            <a:endParaRPr lang="en-US" dirty="0">
               <a:latin typeface="Times New Roman" panose="02020603050405020304" pitchFamily="18" charset="0"/>
               <a:cs typeface="Times New Roman" panose="02020603050405020304" pitchFamily="18" charset="0"/>
             </a:endParaRPr>
           </a:p>
           <a:p>
+            <a:r>
+              <a:rPr lang="lv-LV" dirty="0">
+                <a:latin typeface="Times New Roman" panose="02020603050405020304" pitchFamily="18" charset="0"/>
+                <a:cs typeface="Times New Roman" panose="02020603050405020304" pitchFamily="18" charset="0"/>
+              </a:rPr>
+              <a:t>Refleksija – veids, kā dinamiski piekļūt .NET klasēm, atribūtiem un metodēm. Izmantojam</a:t>
+            </a:r>
+            <a:r>
+              <a:rPr lang="en-US" dirty="0">
+                <a:latin typeface="Times New Roman" panose="02020603050405020304" pitchFamily="18" charset="0"/>
+                <a:cs typeface="Times New Roman" panose="02020603050405020304" pitchFamily="18" charset="0"/>
+              </a:rPr>
+              <a:t> </a:t>
+            </a:r>
+            <a:r>
+              <a:rPr lang="en-US" dirty="0" err="1">
+                <a:latin typeface="Times New Roman" panose="02020603050405020304" pitchFamily="18" charset="0"/>
+                <a:cs typeface="Times New Roman" panose="02020603050405020304" pitchFamily="18" charset="0"/>
+              </a:rPr>
+              <a:t>lokālo</a:t>
+            </a:r>
+            <a:r>
+              <a:rPr lang="lv-LV" dirty="0">
+                <a:latin typeface="Times New Roman" panose="02020603050405020304" pitchFamily="18" charset="0"/>
+                <a:cs typeface="Times New Roman" panose="02020603050405020304" pitchFamily="18" charset="0"/>
+              </a:rPr>
+              <a:t> funkciju izsaukšanai.</a:t>
+            </a:r>
+          </a:p>
+          <a:p>
+            <a:pPr lvl="1"/>
+            <a:r>
+              <a:rPr lang="lv-LV" dirty="0">
+                <a:latin typeface="Times New Roman" panose="02020603050405020304" pitchFamily="18" charset="0"/>
+                <a:cs typeface="Times New Roman" panose="02020603050405020304" pitchFamily="18" charset="0"/>
+              </a:rPr>
+              <a:t>Katrai funkcijai ir URL</a:t>
+            </a:r>
+          </a:p>
+          <a:p>
+            <a:pPr lvl="2"/>
+            <a:r>
+              <a:rPr lang="lv-LV" dirty="0">
+                <a:latin typeface="Times New Roman" panose="02020603050405020304" pitchFamily="18" charset="0"/>
+                <a:cs typeface="Times New Roman" panose="02020603050405020304" pitchFamily="18" charset="0"/>
+              </a:rPr>
+              <a:t>Formāts: </a:t>
+            </a:r>
+            <a:r>
+              <a:rPr lang="lv-LV" i="1" dirty="0" err="1">
+                <a:latin typeface="Times New Roman" panose="02020603050405020304" pitchFamily="18" charset="0"/>
+                <a:cs typeface="Times New Roman" panose="02020603050405020304" pitchFamily="18" charset="0"/>
+              </a:rPr>
+              <a:t>protokols:lokācija:ceļš</a:t>
+            </a:r>
+            <a:r>
+              <a:rPr lang="lv-LV" i="1" dirty="0">
+                <a:latin typeface="Times New Roman" panose="02020603050405020304" pitchFamily="18" charset="0"/>
+                <a:cs typeface="Times New Roman" panose="02020603050405020304" pitchFamily="18" charset="0"/>
+              </a:rPr>
+              <a:t> </a:t>
+            </a:r>
+            <a:r>
+              <a:rPr lang="lv-LV" dirty="0">
+                <a:latin typeface="Times New Roman" panose="02020603050405020304" pitchFamily="18" charset="0"/>
+                <a:cs typeface="Times New Roman" panose="02020603050405020304" pitchFamily="18" charset="0"/>
+              </a:rPr>
+              <a:t>(šobrīd protokols – </a:t>
+            </a:r>
+            <a:r>
+              <a:rPr lang="lv-LV" i="1" dirty="0" err="1">
+                <a:latin typeface="Times New Roman" panose="02020603050405020304" pitchFamily="18" charset="0"/>
+                <a:cs typeface="Times New Roman" panose="02020603050405020304" pitchFamily="18" charset="0"/>
+              </a:rPr>
+              <a:t>dotnet</a:t>
+            </a:r>
+            <a:r>
+              <a:rPr lang="lv-LV" dirty="0">
+                <a:latin typeface="Times New Roman" panose="02020603050405020304" pitchFamily="18" charset="0"/>
+                <a:cs typeface="Times New Roman" panose="02020603050405020304" pitchFamily="18" charset="0"/>
+              </a:rPr>
+              <a:t>, lokācija - </a:t>
+            </a:r>
+            <a:r>
+              <a:rPr lang="lv-LV" i="1" dirty="0" err="1">
+                <a:latin typeface="Times New Roman" panose="02020603050405020304" pitchFamily="18" charset="0"/>
+                <a:cs typeface="Times New Roman" panose="02020603050405020304" pitchFamily="18" charset="0"/>
+              </a:rPr>
+              <a:t>local</a:t>
+            </a:r>
+            <a:r>
+              <a:rPr lang="lv-LV" dirty="0">
+                <a:latin typeface="Times New Roman" panose="02020603050405020304" pitchFamily="18" charset="0"/>
+                <a:cs typeface="Times New Roman" panose="02020603050405020304" pitchFamily="18" charset="0"/>
+              </a:rPr>
+              <a:t>)</a:t>
+            </a:r>
+          </a:p>
+          <a:p>
             <a:endParaRPr lang="lv-LV" i="1" dirty="0">
-              <a:latin typeface="Times New Roman" panose="02020603050405020304" pitchFamily="18" charset="0"/>
-              <a:cs typeface="Times New Roman" panose="02020603050405020304" pitchFamily="18" charset="0"/>
-            </a:endParaRPr>
-          </a:p>
-          <a:p>
-            <a:endParaRPr lang="lv-LV" dirty="0">
               <a:latin typeface="Times New Roman" panose="02020603050405020304" pitchFamily="18" charset="0"/>
               <a:cs typeface="Times New Roman" panose="02020603050405020304" pitchFamily="18" charset="0"/>
             </a:endParaRPr>
@@ -4659,6 +4554,146 @@
           <a:bodyPr/>
           <a:lstStyle/>
           <a:p>
+            <a:r>
+              <a:rPr lang="en-US" dirty="0" err="1">
+                <a:latin typeface="Times New Roman" panose="02020603050405020304" pitchFamily="18" charset="0"/>
+                <a:cs typeface="Times New Roman" panose="02020603050405020304" pitchFamily="18" charset="0"/>
+              </a:rPr>
+              <a:t>WebAppOS</a:t>
+            </a:r>
+            <a:r>
+              <a:rPr lang="en-US" dirty="0">
+                <a:latin typeface="Times New Roman" panose="02020603050405020304" pitchFamily="18" charset="0"/>
+                <a:cs typeface="Times New Roman" panose="02020603050405020304" pitchFamily="18" charset="0"/>
+              </a:rPr>
+              <a:t> </a:t>
+            </a:r>
+            <a:r>
+              <a:rPr lang="en-US" dirty="0" err="1">
+                <a:latin typeface="Times New Roman" panose="02020603050405020304" pitchFamily="18" charset="0"/>
+                <a:cs typeface="Times New Roman" panose="02020603050405020304" pitchFamily="18" charset="0"/>
+              </a:rPr>
+              <a:t>vidē</a:t>
+            </a:r>
+            <a:r>
+              <a:rPr lang="en-US" dirty="0">
+                <a:latin typeface="Times New Roman" panose="02020603050405020304" pitchFamily="18" charset="0"/>
+                <a:cs typeface="Times New Roman" panose="02020603050405020304" pitchFamily="18" charset="0"/>
+              </a:rPr>
+              <a:t> </a:t>
+            </a:r>
+            <a:r>
+              <a:rPr lang="en-US" dirty="0" err="1">
+                <a:latin typeface="Times New Roman" panose="02020603050405020304" pitchFamily="18" charset="0"/>
+                <a:cs typeface="Times New Roman" panose="02020603050405020304" pitchFamily="18" charset="0"/>
+              </a:rPr>
+              <a:t>darbojas</a:t>
+            </a:r>
+            <a:r>
+              <a:rPr lang="en-US" dirty="0">
+                <a:latin typeface="Times New Roman" panose="02020603050405020304" pitchFamily="18" charset="0"/>
+                <a:cs typeface="Times New Roman" panose="02020603050405020304" pitchFamily="18" charset="0"/>
+              </a:rPr>
+              <a:t> </a:t>
+            </a:r>
+            <a:r>
+              <a:rPr lang="en-US" dirty="0" err="1">
+                <a:latin typeface="Times New Roman" panose="02020603050405020304" pitchFamily="18" charset="0"/>
+                <a:cs typeface="Times New Roman" panose="02020603050405020304" pitchFamily="18" charset="0"/>
+              </a:rPr>
+              <a:t>funkciju</a:t>
+            </a:r>
+            <a:r>
+              <a:rPr lang="en-US" dirty="0">
+                <a:latin typeface="Times New Roman" panose="02020603050405020304" pitchFamily="18" charset="0"/>
+                <a:cs typeface="Times New Roman" panose="02020603050405020304" pitchFamily="18" charset="0"/>
+              </a:rPr>
+              <a:t> </a:t>
+            </a:r>
+            <a:r>
+              <a:rPr lang="en-US" dirty="0" err="1">
+                <a:latin typeface="Times New Roman" panose="02020603050405020304" pitchFamily="18" charset="0"/>
+                <a:cs typeface="Times New Roman" panose="02020603050405020304" pitchFamily="18" charset="0"/>
+              </a:rPr>
+              <a:t>izsaukšana</a:t>
+            </a:r>
+            <a:r>
+              <a:rPr lang="en-US" dirty="0">
+                <a:latin typeface="Times New Roman" panose="02020603050405020304" pitchFamily="18" charset="0"/>
+                <a:cs typeface="Times New Roman" panose="02020603050405020304" pitchFamily="18" charset="0"/>
+              </a:rPr>
+              <a:t> un </a:t>
+            </a:r>
+            <a:r>
+              <a:rPr lang="en-US" dirty="0" err="1">
+                <a:latin typeface="Times New Roman" panose="02020603050405020304" pitchFamily="18" charset="0"/>
+                <a:cs typeface="Times New Roman" panose="02020603050405020304" pitchFamily="18" charset="0"/>
+              </a:rPr>
+              <a:t>objektu</a:t>
+            </a:r>
+            <a:r>
+              <a:rPr lang="en-US" dirty="0">
+                <a:latin typeface="Times New Roman" panose="02020603050405020304" pitchFamily="18" charset="0"/>
+                <a:cs typeface="Times New Roman" panose="02020603050405020304" pitchFamily="18" charset="0"/>
+              </a:rPr>
+              <a:t> </a:t>
+            </a:r>
+            <a:r>
+              <a:rPr lang="en-US" dirty="0" err="1">
+                <a:latin typeface="Times New Roman" panose="02020603050405020304" pitchFamily="18" charset="0"/>
+                <a:cs typeface="Times New Roman" panose="02020603050405020304" pitchFamily="18" charset="0"/>
+              </a:rPr>
+              <a:t>piekļuve</a:t>
+            </a:r>
+            <a:r>
+              <a:rPr lang="en-US" dirty="0">
+                <a:latin typeface="Times New Roman" panose="02020603050405020304" pitchFamily="18" charset="0"/>
+                <a:cs typeface="Times New Roman" panose="02020603050405020304" pitchFamily="18" charset="0"/>
+              </a:rPr>
+              <a:t>, </a:t>
+            </a:r>
+            <a:r>
+              <a:rPr lang="en-US" dirty="0" err="1">
+                <a:latin typeface="Times New Roman" panose="02020603050405020304" pitchFamily="18" charset="0"/>
+                <a:cs typeface="Times New Roman" panose="02020603050405020304" pitchFamily="18" charset="0"/>
+              </a:rPr>
+              <a:t>izmantojot</a:t>
+            </a:r>
+            <a:r>
+              <a:rPr lang="en-US" dirty="0">
+                <a:latin typeface="Times New Roman" panose="02020603050405020304" pitchFamily="18" charset="0"/>
+                <a:cs typeface="Times New Roman" panose="02020603050405020304" pitchFamily="18" charset="0"/>
+              </a:rPr>
+              <a:t> </a:t>
+            </a:r>
+            <a:r>
+              <a:rPr lang="en-US" dirty="0" err="1">
+                <a:latin typeface="Times New Roman" panose="02020603050405020304" pitchFamily="18" charset="0"/>
+                <a:cs typeface="Times New Roman" panose="02020603050405020304" pitchFamily="18" charset="0"/>
+              </a:rPr>
+              <a:t>izstrādātos</a:t>
+            </a:r>
+            <a:r>
+              <a:rPr lang="en-US" dirty="0">
+                <a:latin typeface="Times New Roman" panose="02020603050405020304" pitchFamily="18" charset="0"/>
+                <a:cs typeface="Times New Roman" panose="02020603050405020304" pitchFamily="18" charset="0"/>
+              </a:rPr>
+              <a:t> </a:t>
+            </a:r>
+            <a:r>
+              <a:rPr lang="en-US" dirty="0" err="1">
+                <a:latin typeface="Times New Roman" panose="02020603050405020304" pitchFamily="18" charset="0"/>
+                <a:cs typeface="Times New Roman" panose="02020603050405020304" pitchFamily="18" charset="0"/>
+              </a:rPr>
+              <a:t>rīkus</a:t>
+            </a:r>
+            <a:r>
+              <a:rPr lang="en-US" dirty="0">
+                <a:latin typeface="Times New Roman" panose="02020603050405020304" pitchFamily="18" charset="0"/>
+                <a:cs typeface="Times New Roman" panose="02020603050405020304" pitchFamily="18" charset="0"/>
+              </a:rPr>
+              <a:t>.</a:t>
+            </a:r>
             <a:endParaRPr lang="lv-LV" dirty="0">
               <a:latin typeface="Times New Roman" panose="02020603050405020304" pitchFamily="18" charset="0"/>
               <a:cs typeface="Times New Roman" panose="02020603050405020304" pitchFamily="18" charset="0"/>
@@ -4769,6 +4804,13 @@
                 <a:cs typeface="Times New Roman" panose="02020603050405020304" pitchFamily="18" charset="0"/>
               </a:rPr>
               <a:t>distribūcijā</a:t>
+            </a:r>
+            <a:r>
+              <a:rPr lang="en-US" dirty="0">
+                <a:latin typeface="Times New Roman" panose="02020603050405020304" pitchFamily="18" charset="0"/>
+                <a:cs typeface="Times New Roman" panose="02020603050405020304" pitchFamily="18" charset="0"/>
+              </a:rPr>
+              <a:t>.</a:t>
             </a:r>
             <a:endParaRPr lang="lv-LV" dirty="0">
               <a:latin typeface="Times New Roman" panose="02020603050405020304" pitchFamily="18" charset="0"/>
@@ -5574,31 +5616,37 @@
                 <a:latin typeface="Times New Roman" panose="02020603050405020304" pitchFamily="18" charset="0"/>
                 <a:cs typeface="Times New Roman" panose="02020603050405020304" pitchFamily="18" charset="0"/>
               </a:rPr>
-              <a:t>Pašveidotas datu struktūras jaunkoda informācijas glabāšanai.</a:t>
-            </a:r>
-          </a:p>
-          <a:p>
-            <a:endParaRPr lang="en-US" dirty="0">
+              <a:t>Katrai klasei ģenerē savu starpkoda failu</a:t>
+            </a:r>
+            <a:r>
+              <a:rPr lang="en-US" dirty="0">
+                <a:latin typeface="Times New Roman" panose="02020603050405020304" pitchFamily="18" charset="0"/>
+                <a:cs typeface="Times New Roman" panose="02020603050405020304" pitchFamily="18" charset="0"/>
+              </a:rPr>
+              <a:t>.</a:t>
+            </a:r>
+            <a:endParaRPr lang="lv-LV" dirty="0">
               <a:latin typeface="Times New Roman" panose="02020603050405020304" pitchFamily="18" charset="0"/>
               <a:cs typeface="Times New Roman" panose="02020603050405020304" pitchFamily="18" charset="0"/>
             </a:endParaRPr>
           </a:p>
           <a:p>
+            <a:endParaRPr lang="lv-LV" dirty="0">
+              <a:latin typeface="Times New Roman" panose="02020603050405020304" pitchFamily="18" charset="0"/>
+              <a:cs typeface="Times New Roman" panose="02020603050405020304" pitchFamily="18" charset="0"/>
+            </a:endParaRPr>
+          </a:p>
+          <a:p>
             <a:r>
               <a:rPr lang="lv-LV" dirty="0">
                 <a:latin typeface="Times New Roman" panose="02020603050405020304" pitchFamily="18" charset="0"/>
                 <a:cs typeface="Times New Roman" panose="02020603050405020304" pitchFamily="18" charset="0"/>
               </a:rPr>
-              <a:t>Katrai klasei ģenerē savu starpkoda failu</a:t>
-            </a:r>
-            <a:r>
-              <a:rPr lang="en-US" dirty="0">
-                <a:latin typeface="Times New Roman" panose="02020603050405020304" pitchFamily="18" charset="0"/>
-                <a:cs typeface="Times New Roman" panose="02020603050405020304" pitchFamily="18" charset="0"/>
-              </a:rPr>
-              <a:t>.</a:t>
-            </a:r>
-            <a:endParaRPr lang="lv-LV" dirty="0">
+              <a:t>Pašveidotas datu struktūras jaunkoda informācijas glabāšanai.</a:t>
+            </a:r>
+          </a:p>
+          <a:p>
+            <a:endParaRPr lang="en-US" dirty="0">
               <a:latin typeface="Times New Roman" panose="02020603050405020304" pitchFamily="18" charset="0"/>
               <a:cs typeface="Times New Roman" panose="02020603050405020304" pitchFamily="18" charset="0"/>
             </a:endParaRPr>
@@ -5864,6 +5912,49 @@
             <a:pPr marL="0" indent="0">
               <a:buNone/>
             </a:pPr>
+            <a:endParaRPr lang="lv-LV" dirty="0">
+              <a:latin typeface="Times New Roman" panose="02020603050405020304" pitchFamily="18" charset="0"/>
+              <a:cs typeface="Times New Roman" panose="02020603050405020304" pitchFamily="18" charset="0"/>
+            </a:endParaRPr>
+          </a:p>
+          <a:p>
+            <a:r>
+              <a:rPr lang="lv-LV" dirty="0">
+                <a:latin typeface="Times New Roman" panose="02020603050405020304" pitchFamily="18" charset="0"/>
+                <a:cs typeface="Times New Roman" panose="02020603050405020304" pitchFamily="18" charset="0"/>
+              </a:rPr>
+              <a:t>LINQ – datu iegūšanai no </a:t>
+            </a:r>
+            <a:r>
+              <a:rPr lang="en-US" dirty="0">
+                <a:latin typeface="Times New Roman" panose="02020603050405020304" pitchFamily="18" charset="0"/>
+                <a:cs typeface="Times New Roman" panose="02020603050405020304" pitchFamily="18" charset="0"/>
+              </a:rPr>
+              <a:t>RAAPI un </a:t>
+            </a:r>
+            <a:r>
+              <a:rPr lang="lv-LV" dirty="0">
+                <a:latin typeface="Times New Roman" panose="02020603050405020304" pitchFamily="18" charset="0"/>
+                <a:cs typeface="Times New Roman" panose="02020603050405020304" pitchFamily="18" charset="0"/>
+              </a:rPr>
+              <a:t>pārveidošana uz </a:t>
+            </a:r>
+            <a:r>
+              <a:rPr lang="en-US" dirty="0">
+                <a:latin typeface="Times New Roman" panose="02020603050405020304" pitchFamily="18" charset="0"/>
+                <a:cs typeface="Times New Roman" panose="02020603050405020304" pitchFamily="18" charset="0"/>
+              </a:rPr>
+              <a:t>OOP.</a:t>
+            </a:r>
+            <a:endParaRPr lang="lv-LV" dirty="0">
+              <a:latin typeface="Times New Roman" panose="02020603050405020304" pitchFamily="18" charset="0"/>
+              <a:cs typeface="Times New Roman" panose="02020603050405020304" pitchFamily="18" charset="0"/>
+            </a:endParaRPr>
+          </a:p>
+          <a:p>
+            <a:pPr marL="0" indent="0">
+              <a:buNone/>
+            </a:pPr>
             <a:endParaRPr lang="en-US" dirty="0">
               <a:latin typeface="Times New Roman" panose="02020603050405020304" pitchFamily="18" charset="0"/>
               <a:cs typeface="Times New Roman" panose="02020603050405020304" pitchFamily="18" charset="0"/>
@@ -5893,40 +5984,6 @@
             </a:r>
           </a:p>
           <a:p>
-            <a:endParaRPr lang="lv-LV" dirty="0">
-              <a:latin typeface="Times New Roman" panose="02020603050405020304" pitchFamily="18" charset="0"/>
-              <a:cs typeface="Times New Roman" panose="02020603050405020304" pitchFamily="18" charset="0"/>
-            </a:endParaRPr>
-          </a:p>
-          <a:p>
-            <a:r>
-              <a:rPr lang="lv-LV" dirty="0">
-                <a:latin typeface="Times New Roman" panose="02020603050405020304" pitchFamily="18" charset="0"/>
-                <a:cs typeface="Times New Roman" panose="02020603050405020304" pitchFamily="18" charset="0"/>
-              </a:rPr>
-              <a:t>LINQ – datu iegūšanai no </a:t>
-            </a:r>
-            <a:r>
-              <a:rPr lang="en-US" dirty="0">
-                <a:latin typeface="Times New Roman" panose="02020603050405020304" pitchFamily="18" charset="0"/>
-                <a:cs typeface="Times New Roman" panose="02020603050405020304" pitchFamily="18" charset="0"/>
-              </a:rPr>
-              <a:t>RAAPI un </a:t>
-            </a:r>
-            <a:r>
-              <a:rPr lang="lv-LV" dirty="0">
-                <a:latin typeface="Times New Roman" panose="02020603050405020304" pitchFamily="18" charset="0"/>
-                <a:cs typeface="Times New Roman" panose="02020603050405020304" pitchFamily="18" charset="0"/>
-              </a:rPr>
-              <a:t>pārveidošana uz </a:t>
-            </a:r>
-            <a:r>
-              <a:rPr lang="en-US" dirty="0">
-                <a:latin typeface="Times New Roman" panose="02020603050405020304" pitchFamily="18" charset="0"/>
-                <a:cs typeface="Times New Roman" panose="02020603050405020304" pitchFamily="18" charset="0"/>
-              </a:rPr>
-              <a:t>OOP.</a:t>
-            </a:r>
             <a:endParaRPr lang="lv-LV" dirty="0">
               <a:latin typeface="Times New Roman" panose="02020603050405020304" pitchFamily="18" charset="0"/>
               <a:cs typeface="Times New Roman" panose="02020603050405020304" pitchFamily="18" charset="0"/>
